--- a/ppt/Project_PPT.pptx
+++ b/ppt/Project_PPT.pptx
@@ -7,9 +7,9 @@
   <p:sldIdLst>
     <p:sldId id="256" r:id="rId2"/>
     <p:sldId id="257" r:id="rId3"/>
-    <p:sldId id="258" r:id="rId4"/>
-    <p:sldId id="259" r:id="rId5"/>
-    <p:sldId id="260" r:id="rId6"/>
+    <p:sldId id="260" r:id="rId4"/>
+    <p:sldId id="258" r:id="rId5"/>
+    <p:sldId id="259" r:id="rId6"/>
     <p:sldId id="261" r:id="rId7"/>
     <p:sldId id="263" r:id="rId8"/>
     <p:sldId id="262" r:id="rId9"/>
@@ -1475,8 +1475,8 @@
         </p:nvSpPr>
         <p:spPr>
           <a:xfrm>
-            <a:off x="4151586" y="3429000"/>
-            <a:ext cx="6870861" cy="646331"/>
+            <a:off x="4923692" y="2228671"/>
+            <a:ext cx="6394643" cy="2862322"/>
           </a:xfrm>
           <a:prstGeom prst="rect">
             <a:avLst/>
@@ -1498,19 +1498,112 @@
                 <a:latin typeface="Calibri" panose="020F0502020204030204" pitchFamily="34" charset="0"/>
                 <a:cs typeface="Times New Roman" panose="02020603050405020304" pitchFamily="18" charset="0"/>
               </a:rPr>
-              <a:t>Name of Project </a:t>
-            </a:r>
-            <a:r>
-              <a:rPr lang="en-IN" sz="3600" b="1" dirty="0">
+              <a:t>Predicting Solar Power Output using Linear </a:t>
+            </a:r>
+            <a:r>
+              <a:rPr lang="en-US" sz="3600" b="1" dirty="0" smtClean="0">
                 <a:solidFill>
                   <a:schemeClr val="bg1"/>
                 </a:solidFill>
                 <a:latin typeface="Calibri" panose="020F0502020204030204" pitchFamily="34" charset="0"/>
                 <a:cs typeface="Times New Roman" panose="02020603050405020304" pitchFamily="18" charset="0"/>
               </a:rPr>
-              <a:t> </a:t>
-            </a:r>
-            <a:endParaRPr lang="en-US" sz="3600" b="1" dirty="0">
+              <a:t>Regression</a:t>
+            </a:r>
+          </a:p>
+          <a:p>
+            <a:pPr algn="r"/>
+            <a:endParaRPr lang="en-US" sz="3600" b="1" dirty="0" smtClean="0">
+              <a:solidFill>
+                <a:schemeClr val="bg1"/>
+              </a:solidFill>
+              <a:latin typeface="Calibri" panose="020F0502020204030204" pitchFamily="34" charset="0"/>
+              <a:cs typeface="Times New Roman" panose="02020603050405020304" pitchFamily="18" charset="0"/>
+            </a:endParaRPr>
+          </a:p>
+          <a:p>
+            <a:pPr algn="r"/>
+            <a:r>
+              <a:rPr lang="en-US" sz="1800" b="1" dirty="0" smtClean="0">
+                <a:solidFill>
+                  <a:schemeClr val="bg1"/>
+                </a:solidFill>
+                <a:latin typeface="Arial" panose="020B0604020202020204" pitchFamily="34" charset="0"/>
+                <a:cs typeface="Arial" panose="020B0604020202020204" pitchFamily="34" charset="0"/>
+              </a:rPr>
+              <a:t>Collage </a:t>
+            </a:r>
+            <a:r>
+              <a:rPr lang="en-US" sz="1800" b="1" dirty="0">
+                <a:solidFill>
+                  <a:schemeClr val="bg1"/>
+                </a:solidFill>
+                <a:latin typeface="Arial" panose="020B0604020202020204" pitchFamily="34" charset="0"/>
+                <a:cs typeface="Arial" panose="020B0604020202020204" pitchFamily="34" charset="0"/>
+              </a:rPr>
+              <a:t>- Institute of Engineering and Management, </a:t>
+            </a:r>
+            <a:r>
+              <a:rPr lang="en-US" sz="1800" b="1" dirty="0" smtClean="0">
+                <a:solidFill>
+                  <a:schemeClr val="bg1"/>
+                </a:solidFill>
+                <a:latin typeface="Arial" panose="020B0604020202020204" pitchFamily="34" charset="0"/>
+                <a:cs typeface="Arial" panose="020B0604020202020204" pitchFamily="34" charset="0"/>
+              </a:rPr>
+              <a:t>Kolkata</a:t>
+            </a:r>
+            <a:endParaRPr lang="en-US" sz="1800" b="1" dirty="0">
+              <a:solidFill>
+                <a:schemeClr val="bg1"/>
+              </a:solidFill>
+              <a:latin typeface="Arial" panose="020B0604020202020204" pitchFamily="34" charset="0"/>
+              <a:cs typeface="Arial" panose="020B0604020202020204" pitchFamily="34" charset="0"/>
+            </a:endParaRPr>
+          </a:p>
+          <a:p>
+            <a:pPr algn="r"/>
+            <a:endParaRPr lang="en-US" sz="1800" b="1" dirty="0" smtClean="0">
+              <a:solidFill>
+                <a:schemeClr val="bg1"/>
+              </a:solidFill>
+              <a:latin typeface="Arial" panose="020B0604020202020204" pitchFamily="34" charset="0"/>
+              <a:cs typeface="Arial" panose="020B0604020202020204" pitchFamily="34" charset="0"/>
+            </a:endParaRPr>
+          </a:p>
+          <a:p>
+            <a:pPr algn="r"/>
+            <a:r>
+              <a:rPr lang="en-US" sz="1800" b="1" dirty="0" smtClean="0">
+                <a:solidFill>
+                  <a:schemeClr val="bg1"/>
+                </a:solidFill>
+                <a:latin typeface="Arial" panose="020B0604020202020204" pitchFamily="34" charset="0"/>
+                <a:cs typeface="Arial" panose="020B0604020202020204" pitchFamily="34" charset="0"/>
+              </a:rPr>
+              <a:t>Name – </a:t>
+            </a:r>
+            <a:r>
+              <a:rPr lang="en-US" sz="1800" b="1" smtClean="0">
+                <a:solidFill>
+                  <a:schemeClr val="bg1"/>
+                </a:solidFill>
+                <a:latin typeface="Arial" panose="020B0604020202020204" pitchFamily="34" charset="0"/>
+                <a:cs typeface="Arial" panose="020B0604020202020204" pitchFamily="34" charset="0"/>
+              </a:rPr>
+              <a:t>Dipan </a:t>
+            </a:r>
+            <a:r>
+              <a:rPr lang="en-US" sz="1800" b="1" smtClean="0">
+                <a:solidFill>
+                  <a:schemeClr val="bg1"/>
+                </a:solidFill>
+                <a:latin typeface="Arial" panose="020B0604020202020204" pitchFamily="34" charset="0"/>
+                <a:cs typeface="Arial" panose="020B0604020202020204" pitchFamily="34" charset="0"/>
+              </a:rPr>
+              <a:t>Basak</a:t>
+            </a:r>
+            <a:endParaRPr lang="en-US" sz="1800" b="1" dirty="0" smtClean="0">
               <a:solidFill>
                 <a:schemeClr val="bg1"/>
               </a:solidFill>
@@ -1651,8 +1744,8 @@
         </p:nvSpPr>
         <p:spPr>
           <a:xfrm>
-            <a:off x="191911" y="972537"/>
-            <a:ext cx="2652889" cy="400110"/>
+            <a:off x="484988" y="973171"/>
+            <a:ext cx="5611012" cy="707886"/>
           </a:xfrm>
           <a:prstGeom prst="rect">
             <a:avLst/>
@@ -1666,14 +1759,14 @@
           <a:lstStyle/>
           <a:p>
             <a:r>
-              <a:rPr lang="en-IN" sz="2000" b="1" dirty="0">
+              <a:rPr lang="en-IN" sz="4000" b="1" dirty="0">
                 <a:solidFill>
                   <a:srgbClr val="213163"/>
                 </a:solidFill>
               </a:rPr>
               <a:t>Learning Objectives</a:t>
             </a:r>
-            <a:endParaRPr lang="en-IN" sz="2000" dirty="0">
+            <a:endParaRPr lang="en-IN" sz="4000" dirty="0">
               <a:solidFill>
                 <a:srgbClr val="213163"/>
               </a:solidFill>
@@ -1765,7 +1858,7 @@
                 <a:hlinkClick r:id="rId2">
                   <a:extLst>
                     <a:ext uri="{A12FA001-AC4F-418D-AE19-62706E023703}">
-                      <ahyp:hlinkClr xmlns:ahyp="http://schemas.microsoft.com/office/drawing/2018/hyperlinkcolor" val="tx"/>
+                      <ahyp:hlinkClr xmlns="" xmlns:ahyp="http://schemas.microsoft.com/office/drawing/2018/hyperlinkcolor" val="tx"/>
                     </a:ext>
                   </a:extLst>
                 </a:hlinkClick>
@@ -1900,6 +1993,273 @@
           </a:p>
         </p:txBody>
       </p:sp>
+      <p:sp>
+        <p:nvSpPr>
+          <p:cNvPr id="16" name="Rectangle 15"/>
+          <p:cNvSpPr/>
+          <p:nvPr/>
+        </p:nvSpPr>
+        <p:spPr>
+          <a:xfrm>
+            <a:off x="484988" y="2177431"/>
+            <a:ext cx="6627989" cy="3457357"/>
+          </a:xfrm>
+          <a:prstGeom prst="rect">
+            <a:avLst/>
+          </a:prstGeom>
+        </p:spPr>
+        <p:txBody>
+          <a:bodyPr wrap="square">
+            <a:spAutoFit/>
+          </a:bodyPr>
+          <a:lstStyle/>
+          <a:p>
+            <a:pPr marL="342900" lvl="0" indent="-342900">
+              <a:lnSpc>
+                <a:spcPct val="150000"/>
+              </a:lnSpc>
+              <a:spcAft>
+                <a:spcPts val="800"/>
+              </a:spcAft>
+              <a:buFont typeface="+mj-lt"/>
+              <a:buAutoNum type="arabicPeriod"/>
+              <a:tabLst>
+                <a:tab pos="457200" algn="l"/>
+              </a:tabLst>
+            </a:pPr>
+            <a:r>
+              <a:rPr lang="en-IN" sz="1600" dirty="0">
+                <a:latin typeface="Arial" panose="020B0604020202020204" pitchFamily="34" charset="0"/>
+                <a:ea typeface="Times New Roman" panose="02020603050405020304" pitchFamily="18" charset="0"/>
+                <a:cs typeface="Arial" panose="020B0604020202020204" pitchFamily="34" charset="0"/>
+              </a:rPr>
+              <a:t>Understand the importance of solar power prediction in energy management.</a:t>
+            </a:r>
+            <a:endParaRPr lang="en-IN" sz="1600" kern="100" dirty="0">
+              <a:latin typeface="Arial" panose="020B0604020202020204" pitchFamily="34" charset="0"/>
+              <a:ea typeface="Aptos"/>
+              <a:cs typeface="Arial" panose="020B0604020202020204" pitchFamily="34" charset="0"/>
+            </a:endParaRPr>
+          </a:p>
+          <a:p>
+            <a:pPr marL="342900" lvl="0" indent="-342900">
+              <a:lnSpc>
+                <a:spcPct val="150000"/>
+              </a:lnSpc>
+              <a:spcAft>
+                <a:spcPts val="800"/>
+              </a:spcAft>
+              <a:buFont typeface="+mj-lt"/>
+              <a:buAutoNum type="arabicPeriod"/>
+              <a:tabLst>
+                <a:tab pos="457200" algn="l"/>
+              </a:tabLst>
+            </a:pPr>
+            <a:r>
+              <a:rPr lang="en-IN" sz="1600" dirty="0">
+                <a:latin typeface="Arial" panose="020B0604020202020204" pitchFamily="34" charset="0"/>
+                <a:ea typeface="Times New Roman" panose="02020603050405020304" pitchFamily="18" charset="0"/>
+                <a:cs typeface="Arial" panose="020B0604020202020204" pitchFamily="34" charset="0"/>
+              </a:rPr>
+              <a:t>Learn how to apply </a:t>
+            </a:r>
+            <a:r>
+              <a:rPr lang="en-IN" sz="1600" b="1" dirty="0">
+                <a:latin typeface="Arial" panose="020B0604020202020204" pitchFamily="34" charset="0"/>
+                <a:ea typeface="Times New Roman" panose="02020603050405020304" pitchFamily="18" charset="0"/>
+                <a:cs typeface="Arial" panose="020B0604020202020204" pitchFamily="34" charset="0"/>
+              </a:rPr>
+              <a:t>Linear Regression</a:t>
+            </a:r>
+            <a:r>
+              <a:rPr lang="en-IN" sz="1600" dirty="0">
+                <a:latin typeface="Arial" panose="020B0604020202020204" pitchFamily="34" charset="0"/>
+                <a:ea typeface="Times New Roman" panose="02020603050405020304" pitchFamily="18" charset="0"/>
+                <a:cs typeface="Arial" panose="020B0604020202020204" pitchFamily="34" charset="0"/>
+              </a:rPr>
+              <a:t> for predicting solar power output.</a:t>
+            </a:r>
+            <a:endParaRPr lang="en-IN" sz="1600" kern="100" dirty="0">
+              <a:latin typeface="Arial" panose="020B0604020202020204" pitchFamily="34" charset="0"/>
+              <a:ea typeface="Aptos"/>
+              <a:cs typeface="Arial" panose="020B0604020202020204" pitchFamily="34" charset="0"/>
+            </a:endParaRPr>
+          </a:p>
+          <a:p>
+            <a:pPr marL="342900" lvl="0" indent="-342900">
+              <a:lnSpc>
+                <a:spcPct val="150000"/>
+              </a:lnSpc>
+              <a:spcAft>
+                <a:spcPts val="800"/>
+              </a:spcAft>
+              <a:buFont typeface="+mj-lt"/>
+              <a:buAutoNum type="arabicPeriod"/>
+              <a:tabLst>
+                <a:tab pos="457200" algn="l"/>
+              </a:tabLst>
+            </a:pPr>
+            <a:r>
+              <a:rPr lang="en-IN" sz="1600" dirty="0">
+                <a:latin typeface="Arial" panose="020B0604020202020204" pitchFamily="34" charset="0"/>
+                <a:ea typeface="Times New Roman" panose="02020603050405020304" pitchFamily="18" charset="0"/>
+                <a:cs typeface="Arial" panose="020B0604020202020204" pitchFamily="34" charset="0"/>
+              </a:rPr>
+              <a:t>Explore data </a:t>
+            </a:r>
+            <a:r>
+              <a:rPr lang="en-IN" sz="1600" dirty="0" smtClean="0">
+                <a:latin typeface="Arial" panose="020B0604020202020204" pitchFamily="34" charset="0"/>
+                <a:ea typeface="Times New Roman" panose="02020603050405020304" pitchFamily="18" charset="0"/>
+                <a:cs typeface="Arial" panose="020B0604020202020204" pitchFamily="34" charset="0"/>
+              </a:rPr>
+              <a:t>pre-processing </a:t>
+            </a:r>
+            <a:r>
+              <a:rPr lang="en-IN" sz="1600" dirty="0">
+                <a:latin typeface="Arial" panose="020B0604020202020204" pitchFamily="34" charset="0"/>
+                <a:ea typeface="Times New Roman" panose="02020603050405020304" pitchFamily="18" charset="0"/>
+                <a:cs typeface="Arial" panose="020B0604020202020204" pitchFamily="34" charset="0"/>
+              </a:rPr>
+              <a:t>techniques to handle missing values and outliers.</a:t>
+            </a:r>
+            <a:endParaRPr lang="en-IN" sz="1600" kern="100" dirty="0">
+              <a:latin typeface="Arial" panose="020B0604020202020204" pitchFamily="34" charset="0"/>
+              <a:ea typeface="Aptos"/>
+              <a:cs typeface="Arial" panose="020B0604020202020204" pitchFamily="34" charset="0"/>
+            </a:endParaRPr>
+          </a:p>
+          <a:p>
+            <a:pPr marL="342900" lvl="0" indent="-342900">
+              <a:lnSpc>
+                <a:spcPct val="150000"/>
+              </a:lnSpc>
+              <a:spcAft>
+                <a:spcPts val="800"/>
+              </a:spcAft>
+              <a:buFont typeface="+mj-lt"/>
+              <a:buAutoNum type="arabicPeriod"/>
+              <a:tabLst>
+                <a:tab pos="457200" algn="l"/>
+              </a:tabLst>
+            </a:pPr>
+            <a:r>
+              <a:rPr lang="en-IN" sz="1600" dirty="0">
+                <a:latin typeface="Arial" panose="020B0604020202020204" pitchFamily="34" charset="0"/>
+                <a:ea typeface="Times New Roman" panose="02020603050405020304" pitchFamily="18" charset="0"/>
+                <a:cs typeface="Arial" panose="020B0604020202020204" pitchFamily="34" charset="0"/>
+              </a:rPr>
+              <a:t>Implement machine learning using </a:t>
+            </a:r>
+            <a:r>
+              <a:rPr lang="en-IN" sz="1600" b="1" dirty="0">
+                <a:latin typeface="Arial" panose="020B0604020202020204" pitchFamily="34" charset="0"/>
+                <a:ea typeface="Times New Roman" panose="02020603050405020304" pitchFamily="18" charset="0"/>
+                <a:cs typeface="Arial" panose="020B0604020202020204" pitchFamily="34" charset="0"/>
+              </a:rPr>
+              <a:t>Python</a:t>
+            </a:r>
+            <a:r>
+              <a:rPr lang="en-IN" sz="1600" dirty="0">
+                <a:latin typeface="Arial" panose="020B0604020202020204" pitchFamily="34" charset="0"/>
+                <a:ea typeface="Times New Roman" panose="02020603050405020304" pitchFamily="18" charset="0"/>
+                <a:cs typeface="Arial" panose="020B0604020202020204" pitchFamily="34" charset="0"/>
+              </a:rPr>
+              <a:t> and </a:t>
+            </a:r>
+            <a:r>
+              <a:rPr lang="en-IN" sz="1600" b="1" dirty="0" err="1">
+                <a:latin typeface="Arial" panose="020B0604020202020204" pitchFamily="34" charset="0"/>
+                <a:ea typeface="Times New Roman" panose="02020603050405020304" pitchFamily="18" charset="0"/>
+                <a:cs typeface="Arial" panose="020B0604020202020204" pitchFamily="34" charset="0"/>
+              </a:rPr>
+              <a:t>Scikit</a:t>
+            </a:r>
+            <a:r>
+              <a:rPr lang="en-IN" sz="1600" b="1" dirty="0">
+                <a:latin typeface="Arial" panose="020B0604020202020204" pitchFamily="34" charset="0"/>
+                <a:ea typeface="Times New Roman" panose="02020603050405020304" pitchFamily="18" charset="0"/>
+                <a:cs typeface="Arial" panose="020B0604020202020204" pitchFamily="34" charset="0"/>
+              </a:rPr>
+              <a:t>-Learn</a:t>
+            </a:r>
+            <a:r>
+              <a:rPr lang="en-IN" sz="1600" dirty="0">
+                <a:latin typeface="Arial" panose="020B0604020202020204" pitchFamily="34" charset="0"/>
+                <a:ea typeface="Times New Roman" panose="02020603050405020304" pitchFamily="18" charset="0"/>
+                <a:cs typeface="Arial" panose="020B0604020202020204" pitchFamily="34" charset="0"/>
+              </a:rPr>
+              <a:t>.</a:t>
+            </a:r>
+            <a:endParaRPr lang="en-IN" sz="1600" kern="100" dirty="0">
+              <a:latin typeface="Arial" panose="020B0604020202020204" pitchFamily="34" charset="0"/>
+              <a:ea typeface="Aptos"/>
+              <a:cs typeface="Arial" panose="020B0604020202020204" pitchFamily="34" charset="0"/>
+            </a:endParaRPr>
+          </a:p>
+          <a:p>
+            <a:pPr marL="342900" lvl="0" indent="-342900">
+              <a:lnSpc>
+                <a:spcPct val="150000"/>
+              </a:lnSpc>
+              <a:spcAft>
+                <a:spcPts val="800"/>
+              </a:spcAft>
+              <a:buFont typeface="+mj-lt"/>
+              <a:buAutoNum type="arabicPeriod"/>
+              <a:tabLst>
+                <a:tab pos="457200" algn="l"/>
+              </a:tabLst>
+            </a:pPr>
+            <a:r>
+              <a:rPr lang="en-IN" sz="1600" dirty="0">
+                <a:latin typeface="Arial" panose="020B0604020202020204" pitchFamily="34" charset="0"/>
+                <a:ea typeface="Times New Roman" panose="02020603050405020304" pitchFamily="18" charset="0"/>
+                <a:cs typeface="Arial" panose="020B0604020202020204" pitchFamily="34" charset="0"/>
+              </a:rPr>
+              <a:t>Evaluate the model’s performance using </a:t>
+            </a:r>
+            <a:r>
+              <a:rPr lang="en-IN" sz="1600" b="1" dirty="0">
+                <a:latin typeface="Arial" panose="020B0604020202020204" pitchFamily="34" charset="0"/>
+                <a:ea typeface="Times New Roman" panose="02020603050405020304" pitchFamily="18" charset="0"/>
+                <a:cs typeface="Arial" panose="020B0604020202020204" pitchFamily="34" charset="0"/>
+              </a:rPr>
+              <a:t>R² Score</a:t>
+            </a:r>
+            <a:r>
+              <a:rPr lang="en-IN" sz="1600" dirty="0">
+                <a:latin typeface="Arial" panose="020B0604020202020204" pitchFamily="34" charset="0"/>
+                <a:ea typeface="Times New Roman" panose="02020603050405020304" pitchFamily="18" charset="0"/>
+                <a:cs typeface="Arial" panose="020B0604020202020204" pitchFamily="34" charset="0"/>
+              </a:rPr>
+              <a:t> and </a:t>
+            </a:r>
+            <a:r>
+              <a:rPr lang="en-IN" sz="1600" b="1" dirty="0">
+                <a:latin typeface="Arial" panose="020B0604020202020204" pitchFamily="34" charset="0"/>
+                <a:ea typeface="Times New Roman" panose="02020603050405020304" pitchFamily="18" charset="0"/>
+                <a:cs typeface="Arial" panose="020B0604020202020204" pitchFamily="34" charset="0"/>
+              </a:rPr>
+              <a:t>RMSE</a:t>
+            </a:r>
+            <a:r>
+              <a:rPr lang="en-IN" sz="1600" dirty="0">
+                <a:latin typeface="Arial" panose="020B0604020202020204" pitchFamily="34" charset="0"/>
+                <a:ea typeface="Times New Roman" panose="02020603050405020304" pitchFamily="18" charset="0"/>
+                <a:cs typeface="Arial" panose="020B0604020202020204" pitchFamily="34" charset="0"/>
+              </a:rPr>
+              <a:t>.</a:t>
+            </a:r>
+            <a:endParaRPr lang="en-IN" sz="1600" kern="100" dirty="0">
+              <a:effectLst/>
+              <a:latin typeface="Arial" panose="020B0604020202020204" pitchFamily="34" charset="0"/>
+              <a:ea typeface="Aptos"/>
+              <a:cs typeface="Arial" panose="020B0604020202020204" pitchFamily="34" charset="0"/>
+            </a:endParaRPr>
+          </a:p>
+        </p:txBody>
+      </p:sp>
     </p:spTree>
     <p:extLst>
       <p:ext uri="{BB962C8B-B14F-4D97-AF65-F5344CB8AC3E}">
@@ -1944,8 +2304,8 @@
         </p:nvSpPr>
         <p:spPr>
           <a:xfrm>
-            <a:off x="135834" y="1067664"/>
-            <a:ext cx="6102626" cy="400110"/>
+            <a:off x="747346" y="1254944"/>
+            <a:ext cx="5610384" cy="707886"/>
           </a:xfrm>
           <a:prstGeom prst="rect">
             <a:avLst/>
@@ -1959,36 +2319,184 @@
           <a:lstStyle/>
           <a:p>
             <a:r>
-              <a:rPr lang="en-US" sz="1800" b="1" dirty="0">
+              <a:rPr lang="en-US" sz="4000" b="1" dirty="0">
                 <a:solidFill>
                   <a:srgbClr val="213163"/>
                 </a:solidFill>
               </a:rPr>
-              <a:t>T</a:t>
-            </a:r>
-            <a:r>
-              <a:rPr lang="en-IN" sz="2000" b="1" dirty="0" err="1">
+              <a:t>Problem Statement</a:t>
+            </a:r>
+            <a:r>
+              <a:rPr lang="en-US" sz="4000" b="1" dirty="0" smtClean="0">
                 <a:solidFill>
                   <a:srgbClr val="213163"/>
                 </a:solidFill>
               </a:rPr>
-              <a:t>ools</a:t>
-            </a:r>
-            <a:r>
-              <a:rPr lang="en-IN" sz="2000" b="1" dirty="0">
-                <a:solidFill>
-                  <a:srgbClr val="213163"/>
-                </a:solidFill>
-              </a:rPr>
-              <a:t> and Technology used </a:t>
-            </a:r>
+              <a:t>:</a:t>
+            </a:r>
+            <a:endParaRPr lang="en-IN" sz="4000" b="1" dirty="0">
+              <a:solidFill>
+                <a:srgbClr val="213163"/>
+              </a:solidFill>
+            </a:endParaRPr>
+          </a:p>
+        </p:txBody>
+      </p:sp>
+      <p:sp>
+        <p:nvSpPr>
+          <p:cNvPr id="2" name="Rectangle 1"/>
+          <p:cNvSpPr/>
+          <p:nvPr/>
+        </p:nvSpPr>
+        <p:spPr>
+          <a:xfrm>
+            <a:off x="747346" y="2154115"/>
+            <a:ext cx="7886701" cy="3191607"/>
+          </a:xfrm>
+          <a:prstGeom prst="rect">
+            <a:avLst/>
+          </a:prstGeom>
+          <a:noFill/>
+          <a:ln>
+            <a:noFill/>
+          </a:ln>
+        </p:spPr>
+        <p:style>
+          <a:lnRef idx="0">
+            <a:scrgbClr r="0" g="0" b="0"/>
+          </a:lnRef>
+          <a:fillRef idx="0">
+            <a:scrgbClr r="0" g="0" b="0"/>
+          </a:fillRef>
+          <a:effectRef idx="0">
+            <a:scrgbClr r="0" g="0" b="0"/>
+          </a:effectRef>
+          <a:fontRef idx="minor">
+            <a:schemeClr val="dk1"/>
+          </a:fontRef>
+        </p:style>
+        <p:txBody>
+          <a:bodyPr rtlCol="0" anchor="ctr"/>
+          <a:lstStyle/>
+          <a:p>
+            <a:r>
+              <a:rPr lang="en-US" sz="1800" dirty="0"/>
+              <a:t>With the increasing adoption of solar energy, accurately predicting power generation is crucial</a:t>
+            </a:r>
+            <a:r>
+              <a:rPr lang="en-US" sz="1800" dirty="0" smtClean="0"/>
+              <a:t>.</a:t>
+            </a:r>
+          </a:p>
+          <a:p>
+            <a:r>
+              <a:rPr lang="en-US" sz="1800" b="1" dirty="0"/>
+              <a:t/>
+            </a:r>
+            <a:br>
+              <a:rPr lang="en-US" sz="1800" b="1" dirty="0"/>
+            </a:br>
+            <a:r>
+              <a:rPr lang="en-US" sz="2000" b="1" dirty="0"/>
+              <a:t>Challenges include</a:t>
+            </a:r>
+            <a:r>
+              <a:rPr lang="en-US" sz="2000" b="1" dirty="0" smtClean="0"/>
+              <a:t>:</a:t>
+            </a:r>
+            <a:endParaRPr lang="en-US" sz="2000" b="1" dirty="0"/>
+          </a:p>
+          <a:p>
+            <a:pPr marL="342900" indent="-342900">
+              <a:lnSpc>
+                <a:spcPct val="150000"/>
+              </a:lnSpc>
+              <a:buFont typeface="Arial" panose="020B0604020202020204" pitchFamily="34" charset="0"/>
+              <a:buChar char="•"/>
+            </a:pPr>
+            <a:r>
+              <a:rPr lang="en-US" sz="1600" dirty="0"/>
+              <a:t>Variability due to weather conditions.</a:t>
+            </a:r>
+          </a:p>
+          <a:p>
+            <a:pPr marL="342900" indent="-342900">
+              <a:lnSpc>
+                <a:spcPct val="150000"/>
+              </a:lnSpc>
+              <a:buFont typeface="Arial" panose="020B0604020202020204" pitchFamily="34" charset="0"/>
+              <a:buChar char="•"/>
+            </a:pPr>
+            <a:r>
+              <a:rPr lang="en-US" sz="1600" dirty="0"/>
+              <a:t>Need for efficient energy grid management.</a:t>
+            </a:r>
+          </a:p>
+          <a:p>
+            <a:pPr marL="342900" indent="-342900">
+              <a:lnSpc>
+                <a:spcPct val="150000"/>
+              </a:lnSpc>
+              <a:buFont typeface="Arial" panose="020B0604020202020204" pitchFamily="34" charset="0"/>
+              <a:buChar char="•"/>
+            </a:pPr>
+            <a:r>
+              <a:rPr lang="en-US" sz="1600" dirty="0"/>
+              <a:t>Demand for an accurate forecasting model.</a:t>
+            </a:r>
+          </a:p>
+          <a:p>
+            <a:pPr algn="ctr"/>
+            <a:endParaRPr lang="en-IN" dirty="0"/>
+          </a:p>
+        </p:txBody>
+      </p:sp>
+      <p:sp>
+        <p:nvSpPr>
+          <p:cNvPr id="4" name="Rectangle 3"/>
+          <p:cNvSpPr/>
+          <p:nvPr/>
+        </p:nvSpPr>
+        <p:spPr>
+          <a:xfrm>
+            <a:off x="255104" y="2154115"/>
+            <a:ext cx="1705581" cy="1283677"/>
+          </a:xfrm>
+          <a:prstGeom prst="rect">
+            <a:avLst/>
+          </a:prstGeom>
+          <a:noFill/>
+          <a:ln>
+            <a:noFill/>
+          </a:ln>
+        </p:spPr>
+        <p:style>
+          <a:lnRef idx="0">
+            <a:scrgbClr r="0" g="0" b="0"/>
+          </a:lnRef>
+          <a:fillRef idx="0">
+            <a:scrgbClr r="0" g="0" b="0"/>
+          </a:fillRef>
+          <a:effectRef idx="0">
+            <a:scrgbClr r="0" g="0" b="0"/>
+          </a:effectRef>
+          <a:fontRef idx="minor">
+            <a:schemeClr val="dk1"/>
+          </a:fontRef>
+        </p:style>
+        <p:txBody>
+          <a:bodyPr rtlCol="0" anchor="ctr"/>
+          <a:lstStyle/>
+          <a:p>
+            <a:pPr algn="ctr"/>
+            <a:endParaRPr lang="en-IN"/>
           </a:p>
         </p:txBody>
       </p:sp>
     </p:spTree>
     <p:extLst>
       <p:ext uri="{BB962C8B-B14F-4D97-AF65-F5344CB8AC3E}">
-        <p14:creationId xmlns:p14="http://schemas.microsoft.com/office/powerpoint/2010/main" val="564571264"/>
+        <p14:creationId xmlns:p14="http://schemas.microsoft.com/office/powerpoint/2010/main" val="31965923"/>
       </p:ext>
     </p:extLst>
   </p:cSld>
@@ -2029,8 +2537,8 @@
         </p:nvSpPr>
         <p:spPr>
           <a:xfrm>
-            <a:off x="268356" y="1014656"/>
-            <a:ext cx="6102626" cy="400110"/>
+            <a:off x="443564" y="1085248"/>
+            <a:ext cx="7372797" cy="707886"/>
           </a:xfrm>
           <a:prstGeom prst="rect">
             <a:avLst/>
@@ -2044,25 +2552,443 @@
           <a:lstStyle/>
           <a:p>
             <a:r>
-              <a:rPr lang="en-US" sz="2000" b="1" dirty="0">
+              <a:rPr lang="en-US" sz="4000" b="1" dirty="0">
                 <a:solidFill>
                   <a:srgbClr val="213163"/>
                 </a:solidFill>
               </a:rPr>
-              <a:t>Methodology</a:t>
-            </a:r>
-            <a:r>
-              <a:rPr lang="en-US" sz="1800" b="1" dirty="0">
+              <a:t>T</a:t>
+            </a:r>
+            <a:r>
+              <a:rPr lang="en-IN" sz="4000" b="1" dirty="0" err="1" smtClean="0">
                 <a:solidFill>
                   <a:srgbClr val="213163"/>
                 </a:solidFill>
               </a:rPr>
+              <a:t>ools</a:t>
+            </a:r>
+            <a:r>
+              <a:rPr lang="en-IN" sz="4000" b="1" dirty="0" smtClean="0">
+                <a:solidFill>
+                  <a:srgbClr val="213163"/>
+                </a:solidFill>
+              </a:rPr>
               <a:t> </a:t>
             </a:r>
-            <a:endParaRPr lang="en-IN" sz="1800" dirty="0">
-              <a:solidFill>
-                <a:srgbClr val="213163"/>
-              </a:solidFill>
+            <a:r>
+              <a:rPr lang="en-IN" sz="4000" b="1" dirty="0">
+                <a:solidFill>
+                  <a:srgbClr val="213163"/>
+                </a:solidFill>
+              </a:rPr>
+              <a:t>and Technology used </a:t>
+            </a:r>
+          </a:p>
+        </p:txBody>
+      </p:sp>
+      <p:sp>
+        <p:nvSpPr>
+          <p:cNvPr id="9" name="Rectangle 8"/>
+          <p:cNvSpPr/>
+          <p:nvPr/>
+        </p:nvSpPr>
+        <p:spPr>
+          <a:xfrm>
+            <a:off x="443564" y="2189286"/>
+            <a:ext cx="8502162" cy="3642023"/>
+          </a:xfrm>
+          <a:prstGeom prst="rect">
+            <a:avLst/>
+          </a:prstGeom>
+        </p:spPr>
+        <p:txBody>
+          <a:bodyPr wrap="square">
+            <a:spAutoFit/>
+          </a:bodyPr>
+          <a:lstStyle/>
+          <a:p>
+            <a:pPr marL="342900" lvl="0" indent="-342900">
+              <a:lnSpc>
+                <a:spcPct val="115000"/>
+              </a:lnSpc>
+              <a:spcAft>
+                <a:spcPts val="800"/>
+              </a:spcAft>
+              <a:buSzPts val="1000"/>
+              <a:buFont typeface="Symbol" panose="05050102010706020507" pitchFamily="18" charset="2"/>
+              <a:buChar char=""/>
+              <a:tabLst>
+                <a:tab pos="457200" algn="l"/>
+              </a:tabLst>
+            </a:pPr>
+            <a:r>
+              <a:rPr lang="en-IN" sz="1800" b="1" dirty="0">
+                <a:latin typeface="Arial" panose="020B0604020202020204" pitchFamily="34" charset="0"/>
+                <a:ea typeface="Times New Roman" panose="02020603050405020304" pitchFamily="18" charset="0"/>
+                <a:cs typeface="Arial" panose="020B0604020202020204" pitchFamily="34" charset="0"/>
+              </a:rPr>
+              <a:t>Programming Language:</a:t>
+            </a:r>
+            <a:r>
+              <a:rPr lang="en-IN" sz="1800" dirty="0">
+                <a:latin typeface="Arial" panose="020B0604020202020204" pitchFamily="34" charset="0"/>
+                <a:ea typeface="Times New Roman" panose="02020603050405020304" pitchFamily="18" charset="0"/>
+                <a:cs typeface="Arial" panose="020B0604020202020204" pitchFamily="34" charset="0"/>
+              </a:rPr>
+              <a:t> Python</a:t>
+            </a:r>
+            <a:endParaRPr lang="en-IN" sz="1800" kern="100" dirty="0">
+              <a:latin typeface="Arial" panose="020B0604020202020204" pitchFamily="34" charset="0"/>
+              <a:ea typeface="Aptos"/>
+              <a:cs typeface="Arial" panose="020B0604020202020204" pitchFamily="34" charset="0"/>
+            </a:endParaRPr>
+          </a:p>
+          <a:p>
+            <a:pPr marL="342900" lvl="0" indent="-342900">
+              <a:lnSpc>
+                <a:spcPct val="115000"/>
+              </a:lnSpc>
+              <a:spcAft>
+                <a:spcPts val="800"/>
+              </a:spcAft>
+              <a:buSzPts val="1000"/>
+              <a:buFont typeface="Symbol" panose="05050102010706020507" pitchFamily="18" charset="2"/>
+              <a:buChar char=""/>
+              <a:tabLst>
+                <a:tab pos="457200" algn="l"/>
+              </a:tabLst>
+            </a:pPr>
+            <a:r>
+              <a:rPr lang="en-IN" sz="1800" b="1" dirty="0">
+                <a:latin typeface="Arial" panose="020B0604020202020204" pitchFamily="34" charset="0"/>
+                <a:ea typeface="Times New Roman" panose="02020603050405020304" pitchFamily="18" charset="0"/>
+                <a:cs typeface="Arial" panose="020B0604020202020204" pitchFamily="34" charset="0"/>
+              </a:rPr>
+              <a:t>Libraries:</a:t>
+            </a:r>
+            <a:r>
+              <a:rPr lang="en-IN" sz="1800" dirty="0">
+                <a:latin typeface="Arial" panose="020B0604020202020204" pitchFamily="34" charset="0"/>
+                <a:ea typeface="Times New Roman" panose="02020603050405020304" pitchFamily="18" charset="0"/>
+                <a:cs typeface="Arial" panose="020B0604020202020204" pitchFamily="34" charset="0"/>
+              </a:rPr>
+              <a:t> </a:t>
+            </a:r>
+            <a:endParaRPr lang="en-IN" sz="1800" kern="100" dirty="0">
+              <a:latin typeface="Arial" panose="020B0604020202020204" pitchFamily="34" charset="0"/>
+              <a:ea typeface="Aptos"/>
+              <a:cs typeface="Arial" panose="020B0604020202020204" pitchFamily="34" charset="0"/>
+            </a:endParaRPr>
+          </a:p>
+          <a:p>
+            <a:pPr marL="742950" lvl="1" indent="-285750">
+              <a:lnSpc>
+                <a:spcPct val="115000"/>
+              </a:lnSpc>
+              <a:spcAft>
+                <a:spcPts val="800"/>
+              </a:spcAft>
+              <a:buSzPts val="1000"/>
+              <a:buFont typeface="Courier New" panose="02070309020205020404" pitchFamily="49" charset="0"/>
+              <a:buChar char="o"/>
+              <a:tabLst>
+                <a:tab pos="914400" algn="l"/>
+              </a:tabLst>
+            </a:pPr>
+            <a:r>
+              <a:rPr lang="en-IN" sz="1400" dirty="0">
+                <a:latin typeface="Courier New" panose="02070309020205020404" pitchFamily="49" charset="0"/>
+                <a:ea typeface="Times New Roman" panose="02020603050405020304" pitchFamily="18" charset="0"/>
+                <a:cs typeface="Times New Roman" panose="02020603050405020304" pitchFamily="18" charset="0"/>
+              </a:rPr>
+              <a:t>pandas</a:t>
+            </a:r>
+            <a:r>
+              <a:rPr lang="en-IN" sz="2000" dirty="0">
+                <a:latin typeface="Times New Roman" panose="02020603050405020304" pitchFamily="18" charset="0"/>
+                <a:ea typeface="Times New Roman" panose="02020603050405020304" pitchFamily="18" charset="0"/>
+                <a:cs typeface="Times New Roman" panose="02020603050405020304" pitchFamily="18" charset="0"/>
+              </a:rPr>
+              <a:t> </a:t>
+            </a:r>
+            <a:r>
+              <a:rPr lang="en-IN" sz="1800" dirty="0">
+                <a:latin typeface="Arial" panose="020B0604020202020204" pitchFamily="34" charset="0"/>
+                <a:ea typeface="Times New Roman" panose="02020603050405020304" pitchFamily="18" charset="0"/>
+                <a:cs typeface="Arial" panose="020B0604020202020204" pitchFamily="34" charset="0"/>
+              </a:rPr>
+              <a:t>(for data handling)</a:t>
+            </a:r>
+            <a:endParaRPr lang="en-IN" sz="1800" kern="100" dirty="0">
+              <a:latin typeface="Arial" panose="020B0604020202020204" pitchFamily="34" charset="0"/>
+              <a:ea typeface="Aptos"/>
+              <a:cs typeface="Arial" panose="020B0604020202020204" pitchFamily="34" charset="0"/>
+            </a:endParaRPr>
+          </a:p>
+          <a:p>
+            <a:pPr marL="742950" lvl="1" indent="-285750">
+              <a:lnSpc>
+                <a:spcPct val="115000"/>
+              </a:lnSpc>
+              <a:spcAft>
+                <a:spcPts val="800"/>
+              </a:spcAft>
+              <a:buSzPts val="1000"/>
+              <a:buFont typeface="Courier New" panose="02070309020205020404" pitchFamily="49" charset="0"/>
+              <a:buChar char="o"/>
+              <a:tabLst>
+                <a:tab pos="914400" algn="l"/>
+              </a:tabLst>
+            </a:pPr>
+            <a:r>
+              <a:rPr lang="en-IN" sz="1400" dirty="0" err="1">
+                <a:latin typeface="Courier New" panose="02070309020205020404" pitchFamily="49" charset="0"/>
+                <a:ea typeface="Times New Roman" panose="02020603050405020304" pitchFamily="18" charset="0"/>
+                <a:cs typeface="Times New Roman" panose="02020603050405020304" pitchFamily="18" charset="0"/>
+              </a:rPr>
+              <a:t>numpy</a:t>
+            </a:r>
+            <a:r>
+              <a:rPr lang="en-IN" sz="2000" dirty="0">
+                <a:latin typeface="Times New Roman" panose="02020603050405020304" pitchFamily="18" charset="0"/>
+                <a:ea typeface="Times New Roman" panose="02020603050405020304" pitchFamily="18" charset="0"/>
+                <a:cs typeface="Times New Roman" panose="02020603050405020304" pitchFamily="18" charset="0"/>
+              </a:rPr>
+              <a:t> </a:t>
+            </a:r>
+            <a:r>
+              <a:rPr lang="en-IN" sz="1800" dirty="0">
+                <a:latin typeface="Arial" panose="020B0604020202020204" pitchFamily="34" charset="0"/>
+                <a:ea typeface="Times New Roman" panose="02020603050405020304" pitchFamily="18" charset="0"/>
+                <a:cs typeface="Arial" panose="020B0604020202020204" pitchFamily="34" charset="0"/>
+              </a:rPr>
+              <a:t>(for numerical computations)</a:t>
+            </a:r>
+            <a:endParaRPr lang="en-IN" sz="1800" kern="100" dirty="0">
+              <a:latin typeface="Arial" panose="020B0604020202020204" pitchFamily="34" charset="0"/>
+              <a:ea typeface="Aptos"/>
+              <a:cs typeface="Arial" panose="020B0604020202020204" pitchFamily="34" charset="0"/>
+            </a:endParaRPr>
+          </a:p>
+          <a:p>
+            <a:pPr marL="742950" lvl="1" indent="-285750">
+              <a:lnSpc>
+                <a:spcPct val="115000"/>
+              </a:lnSpc>
+              <a:spcAft>
+                <a:spcPts val="800"/>
+              </a:spcAft>
+              <a:buSzPts val="1000"/>
+              <a:buFont typeface="Courier New" panose="02070309020205020404" pitchFamily="49" charset="0"/>
+              <a:buChar char="o"/>
+              <a:tabLst>
+                <a:tab pos="914400" algn="l"/>
+              </a:tabLst>
+            </a:pPr>
+            <a:r>
+              <a:rPr lang="en-IN" sz="1400" dirty="0" err="1">
+                <a:latin typeface="Courier New" panose="02070309020205020404" pitchFamily="49" charset="0"/>
+                <a:ea typeface="Times New Roman" panose="02020603050405020304" pitchFamily="18" charset="0"/>
+                <a:cs typeface="Times New Roman" panose="02020603050405020304" pitchFamily="18" charset="0"/>
+              </a:rPr>
+              <a:t>seaborn</a:t>
+            </a:r>
+            <a:r>
+              <a:rPr lang="en-IN" sz="2000" dirty="0">
+                <a:latin typeface="Times New Roman" panose="02020603050405020304" pitchFamily="18" charset="0"/>
+                <a:ea typeface="Times New Roman" panose="02020603050405020304" pitchFamily="18" charset="0"/>
+                <a:cs typeface="Times New Roman" panose="02020603050405020304" pitchFamily="18" charset="0"/>
+              </a:rPr>
+              <a:t> </a:t>
+            </a:r>
+            <a:r>
+              <a:rPr lang="en-IN" sz="1800" dirty="0">
+                <a:latin typeface="Arial" panose="020B0604020202020204" pitchFamily="34" charset="0"/>
+                <a:ea typeface="Times New Roman" panose="02020603050405020304" pitchFamily="18" charset="0"/>
+                <a:cs typeface="Arial" panose="020B0604020202020204" pitchFamily="34" charset="0"/>
+              </a:rPr>
+              <a:t>&amp;</a:t>
+            </a:r>
+            <a:r>
+              <a:rPr lang="en-IN" sz="2000" dirty="0">
+                <a:latin typeface="Times New Roman" panose="02020603050405020304" pitchFamily="18" charset="0"/>
+                <a:ea typeface="Times New Roman" panose="02020603050405020304" pitchFamily="18" charset="0"/>
+                <a:cs typeface="Times New Roman" panose="02020603050405020304" pitchFamily="18" charset="0"/>
+              </a:rPr>
+              <a:t> </a:t>
+            </a:r>
+            <a:r>
+              <a:rPr lang="en-IN" sz="1400" dirty="0" err="1">
+                <a:latin typeface="Courier New" panose="02070309020205020404" pitchFamily="49" charset="0"/>
+                <a:ea typeface="Times New Roman" panose="02020603050405020304" pitchFamily="18" charset="0"/>
+                <a:cs typeface="Times New Roman" panose="02020603050405020304" pitchFamily="18" charset="0"/>
+              </a:rPr>
+              <a:t>matplotlib</a:t>
+            </a:r>
+            <a:r>
+              <a:rPr lang="en-IN" sz="2000" dirty="0">
+                <a:latin typeface="Times New Roman" panose="02020603050405020304" pitchFamily="18" charset="0"/>
+                <a:ea typeface="Times New Roman" panose="02020603050405020304" pitchFamily="18" charset="0"/>
+                <a:cs typeface="Times New Roman" panose="02020603050405020304" pitchFamily="18" charset="0"/>
+              </a:rPr>
+              <a:t> </a:t>
+            </a:r>
+            <a:r>
+              <a:rPr lang="en-IN" sz="1800" dirty="0">
+                <a:latin typeface="Arial" panose="020B0604020202020204" pitchFamily="34" charset="0"/>
+                <a:ea typeface="Times New Roman" panose="02020603050405020304" pitchFamily="18" charset="0"/>
+                <a:cs typeface="Arial" panose="020B0604020202020204" pitchFamily="34" charset="0"/>
+              </a:rPr>
+              <a:t>(for data visualization)</a:t>
+            </a:r>
+            <a:endParaRPr lang="en-IN" sz="1800" kern="100" dirty="0">
+              <a:latin typeface="Arial" panose="020B0604020202020204" pitchFamily="34" charset="0"/>
+              <a:ea typeface="Aptos"/>
+              <a:cs typeface="Arial" panose="020B0604020202020204" pitchFamily="34" charset="0"/>
+            </a:endParaRPr>
+          </a:p>
+          <a:p>
+            <a:pPr marL="742950" lvl="1" indent="-285750">
+              <a:lnSpc>
+                <a:spcPct val="115000"/>
+              </a:lnSpc>
+              <a:spcAft>
+                <a:spcPts val="800"/>
+              </a:spcAft>
+              <a:buSzPts val="1000"/>
+              <a:buFont typeface="Courier New" panose="02070309020205020404" pitchFamily="49" charset="0"/>
+              <a:buChar char="o"/>
+              <a:tabLst>
+                <a:tab pos="914400" algn="l"/>
+              </a:tabLst>
+            </a:pPr>
+            <a:r>
+              <a:rPr lang="en-IN" sz="1400" dirty="0" err="1">
+                <a:latin typeface="Courier New" panose="02070309020205020404" pitchFamily="49" charset="0"/>
+                <a:ea typeface="Times New Roman" panose="02020603050405020304" pitchFamily="18" charset="0"/>
+                <a:cs typeface="Times New Roman" panose="02020603050405020304" pitchFamily="18" charset="0"/>
+              </a:rPr>
+              <a:t>scikit</a:t>
+            </a:r>
+            <a:r>
+              <a:rPr lang="en-IN" sz="1400" dirty="0">
+                <a:latin typeface="Courier New" panose="02070309020205020404" pitchFamily="49" charset="0"/>
+                <a:ea typeface="Times New Roman" panose="02020603050405020304" pitchFamily="18" charset="0"/>
+                <a:cs typeface="Times New Roman" panose="02020603050405020304" pitchFamily="18" charset="0"/>
+              </a:rPr>
+              <a:t>-learn</a:t>
+            </a:r>
+            <a:r>
+              <a:rPr lang="en-IN" sz="2000" dirty="0">
+                <a:latin typeface="Times New Roman" panose="02020603050405020304" pitchFamily="18" charset="0"/>
+                <a:ea typeface="Times New Roman" panose="02020603050405020304" pitchFamily="18" charset="0"/>
+                <a:cs typeface="Times New Roman" panose="02020603050405020304" pitchFamily="18" charset="0"/>
+              </a:rPr>
+              <a:t> </a:t>
+            </a:r>
+            <a:r>
+              <a:rPr lang="en-IN" sz="1800" dirty="0">
+                <a:latin typeface="Arial" panose="020B0604020202020204" pitchFamily="34" charset="0"/>
+                <a:ea typeface="Times New Roman" panose="02020603050405020304" pitchFamily="18" charset="0"/>
+                <a:cs typeface="Arial" panose="020B0604020202020204" pitchFamily="34" charset="0"/>
+              </a:rPr>
+              <a:t>(for machine learning)</a:t>
+            </a:r>
+            <a:endParaRPr lang="en-IN" sz="1800" kern="100" dirty="0">
+              <a:latin typeface="Arial" panose="020B0604020202020204" pitchFamily="34" charset="0"/>
+              <a:ea typeface="Aptos"/>
+              <a:cs typeface="Arial" panose="020B0604020202020204" pitchFamily="34" charset="0"/>
+            </a:endParaRPr>
+          </a:p>
+          <a:p>
+            <a:pPr marL="742950" lvl="1" indent="-285750">
+              <a:lnSpc>
+                <a:spcPct val="115000"/>
+              </a:lnSpc>
+              <a:spcAft>
+                <a:spcPts val="800"/>
+              </a:spcAft>
+              <a:buSzPts val="1000"/>
+              <a:buFont typeface="Courier New" panose="02070309020205020404" pitchFamily="49" charset="0"/>
+              <a:buChar char="o"/>
+              <a:tabLst>
+                <a:tab pos="914400" algn="l"/>
+              </a:tabLst>
+            </a:pPr>
+            <a:r>
+              <a:rPr lang="en-IN" sz="1400" dirty="0" err="1">
+                <a:latin typeface="Courier New" panose="02070309020205020404" pitchFamily="49" charset="0"/>
+                <a:ea typeface="Times New Roman" panose="02020603050405020304" pitchFamily="18" charset="0"/>
+                <a:cs typeface="Times New Roman" panose="02020603050405020304" pitchFamily="18" charset="0"/>
+              </a:rPr>
+              <a:t>tkinter</a:t>
+            </a:r>
+            <a:r>
+              <a:rPr lang="en-IN" sz="2000" dirty="0">
+                <a:latin typeface="Times New Roman" panose="02020603050405020304" pitchFamily="18" charset="0"/>
+                <a:ea typeface="Times New Roman" panose="02020603050405020304" pitchFamily="18" charset="0"/>
+                <a:cs typeface="Times New Roman" panose="02020603050405020304" pitchFamily="18" charset="0"/>
+              </a:rPr>
+              <a:t> </a:t>
+            </a:r>
+            <a:r>
+              <a:rPr lang="en-IN" sz="1800" dirty="0">
+                <a:latin typeface="Arial" panose="020B0604020202020204" pitchFamily="34" charset="0"/>
+                <a:ea typeface="Times New Roman" panose="02020603050405020304" pitchFamily="18" charset="0"/>
+                <a:cs typeface="Arial" panose="020B0604020202020204" pitchFamily="34" charset="0"/>
+              </a:rPr>
+              <a:t>(for GUI-based user interaction)</a:t>
+            </a:r>
+            <a:endParaRPr lang="en-IN" sz="1800" kern="100" dirty="0">
+              <a:latin typeface="Arial" panose="020B0604020202020204" pitchFamily="34" charset="0"/>
+              <a:ea typeface="Aptos"/>
+              <a:cs typeface="Arial" panose="020B0604020202020204" pitchFamily="34" charset="0"/>
+            </a:endParaRPr>
+          </a:p>
+          <a:p>
+            <a:pPr marL="342900" lvl="0" indent="-342900">
+              <a:lnSpc>
+                <a:spcPct val="115000"/>
+              </a:lnSpc>
+              <a:spcAft>
+                <a:spcPts val="800"/>
+              </a:spcAft>
+              <a:buSzPts val="1000"/>
+              <a:buFont typeface="Symbol" panose="05050102010706020507" pitchFamily="18" charset="2"/>
+              <a:buChar char=""/>
+              <a:tabLst>
+                <a:tab pos="457200" algn="l"/>
+              </a:tabLst>
+            </a:pPr>
+            <a:r>
+              <a:rPr lang="en-IN" sz="1800" b="1" dirty="0" err="1">
+                <a:latin typeface="Arial" panose="020B0604020202020204" pitchFamily="34" charset="0"/>
+                <a:ea typeface="Times New Roman" panose="02020603050405020304" pitchFamily="18" charset="0"/>
+                <a:cs typeface="Arial" panose="020B0604020202020204" pitchFamily="34" charset="0"/>
+              </a:rPr>
+              <a:t>Jupyter</a:t>
+            </a:r>
+            <a:r>
+              <a:rPr lang="en-IN" sz="1800" b="1" dirty="0">
+                <a:latin typeface="Arial" panose="020B0604020202020204" pitchFamily="34" charset="0"/>
+                <a:ea typeface="Times New Roman" panose="02020603050405020304" pitchFamily="18" charset="0"/>
+                <a:cs typeface="Arial" panose="020B0604020202020204" pitchFamily="34" charset="0"/>
+              </a:rPr>
+              <a:t> Notebook</a:t>
+            </a:r>
+            <a:r>
+              <a:rPr lang="en-IN" sz="1800" dirty="0">
+                <a:latin typeface="Arial" panose="020B0604020202020204" pitchFamily="34" charset="0"/>
+                <a:ea typeface="Times New Roman" panose="02020603050405020304" pitchFamily="18" charset="0"/>
+                <a:cs typeface="Arial" panose="020B0604020202020204" pitchFamily="34" charset="0"/>
+              </a:rPr>
+              <a:t> (for interactive coding and visualization)</a:t>
+            </a:r>
+            <a:endParaRPr lang="en-IN" sz="1800" kern="100" dirty="0">
+              <a:effectLst/>
+              <a:latin typeface="Arial" panose="020B0604020202020204" pitchFamily="34" charset="0"/>
+              <a:ea typeface="Aptos"/>
+              <a:cs typeface="Arial" panose="020B0604020202020204" pitchFamily="34" charset="0"/>
             </a:endParaRPr>
           </a:p>
         </p:txBody>
@@ -2070,7 +2996,7 @@
     </p:spTree>
     <p:extLst>
       <p:ext uri="{BB962C8B-B14F-4D97-AF65-F5344CB8AC3E}">
-        <p14:creationId xmlns:p14="http://schemas.microsoft.com/office/powerpoint/2010/main" val="2706790016"/>
+        <p14:creationId xmlns:p14="http://schemas.microsoft.com/office/powerpoint/2010/main" val="564571264"/>
       </p:ext>
     </p:extLst>
   </p:cSld>
@@ -2111,8 +3037,8 @@
         </p:nvSpPr>
         <p:spPr>
           <a:xfrm>
-            <a:off x="255104" y="1054412"/>
-            <a:ext cx="6102626" cy="400110"/>
+            <a:off x="576087" y="944317"/>
+            <a:ext cx="6102626" cy="707886"/>
           </a:xfrm>
           <a:prstGeom prst="rect">
             <a:avLst/>
@@ -2126,17 +3052,512 @@
           <a:lstStyle/>
           <a:p>
             <a:r>
-              <a:rPr lang="en-US" sz="2000" b="1" dirty="0">
+              <a:rPr lang="en-US" sz="4000" b="1" dirty="0">
                 <a:solidFill>
                   <a:srgbClr val="213163"/>
                 </a:solidFill>
               </a:rPr>
-              <a:t>Problem Statement:  </a:t>
-            </a:r>
-            <a:endParaRPr lang="en-IN" sz="2000" b="1" dirty="0">
+              <a:t>Methodology </a:t>
+            </a:r>
+            <a:endParaRPr lang="en-IN" sz="4000" dirty="0">
               <a:solidFill>
                 <a:srgbClr val="213163"/>
               </a:solidFill>
+            </a:endParaRPr>
+          </a:p>
+        </p:txBody>
+      </p:sp>
+      <p:sp>
+        <p:nvSpPr>
+          <p:cNvPr id="2" name="Rectangle 1"/>
+          <p:cNvSpPr/>
+          <p:nvPr/>
+        </p:nvSpPr>
+        <p:spPr>
+          <a:xfrm>
+            <a:off x="576087" y="2031024"/>
+            <a:ext cx="9798836" cy="4232954"/>
+          </a:xfrm>
+          <a:prstGeom prst="rect">
+            <a:avLst/>
+          </a:prstGeom>
+        </p:spPr>
+        <p:txBody>
+          <a:bodyPr wrap="square">
+            <a:spAutoFit/>
+          </a:bodyPr>
+          <a:lstStyle/>
+          <a:p>
+            <a:pPr marL="342900" lvl="0" indent="-342900">
+              <a:lnSpc>
+                <a:spcPct val="115000"/>
+              </a:lnSpc>
+              <a:spcAft>
+                <a:spcPts val="800"/>
+              </a:spcAft>
+              <a:buFont typeface="+mj-lt"/>
+              <a:buAutoNum type="arabicPeriod"/>
+              <a:tabLst>
+                <a:tab pos="457200" algn="l"/>
+              </a:tabLst>
+            </a:pPr>
+            <a:r>
+              <a:rPr lang="en-IN" sz="1600" b="1" dirty="0">
+                <a:latin typeface="+mn-lt"/>
+                <a:ea typeface="Times New Roman" panose="02020603050405020304" pitchFamily="18" charset="0"/>
+                <a:cs typeface="Times New Roman" panose="02020603050405020304" pitchFamily="18" charset="0"/>
+              </a:rPr>
+              <a:t>Data Collection:</a:t>
+            </a:r>
+            <a:r>
+              <a:rPr lang="en-IN" sz="1600" dirty="0">
+                <a:latin typeface="+mn-lt"/>
+                <a:ea typeface="Times New Roman" panose="02020603050405020304" pitchFamily="18" charset="0"/>
+                <a:cs typeface="Times New Roman" panose="02020603050405020304" pitchFamily="18" charset="0"/>
+              </a:rPr>
+              <a:t> Load a dataset containing solar power generation details.</a:t>
+            </a:r>
+            <a:endParaRPr lang="en-IN" sz="1600" kern="100" dirty="0">
+              <a:latin typeface="+mn-lt"/>
+              <a:ea typeface="Aptos"/>
+              <a:cs typeface="Times New Roman" panose="02020603050405020304" pitchFamily="18" charset="0"/>
+            </a:endParaRPr>
+          </a:p>
+          <a:p>
+            <a:pPr marL="342900" lvl="0" indent="-342900">
+              <a:lnSpc>
+                <a:spcPct val="115000"/>
+              </a:lnSpc>
+              <a:spcAft>
+                <a:spcPts val="800"/>
+              </a:spcAft>
+              <a:buFont typeface="+mj-lt"/>
+              <a:buAutoNum type="arabicPeriod"/>
+              <a:tabLst>
+                <a:tab pos="457200" algn="l"/>
+              </a:tabLst>
+            </a:pPr>
+            <a:r>
+              <a:rPr lang="en-IN" sz="1600" b="1" dirty="0">
+                <a:latin typeface="+mn-lt"/>
+                <a:ea typeface="Times New Roman" panose="02020603050405020304" pitchFamily="18" charset="0"/>
+                <a:cs typeface="Times New Roman" panose="02020603050405020304" pitchFamily="18" charset="0"/>
+              </a:rPr>
+              <a:t>Data Exploration:</a:t>
+            </a:r>
+            <a:r>
+              <a:rPr lang="en-IN" sz="1600" dirty="0">
+                <a:latin typeface="+mn-lt"/>
+                <a:ea typeface="Times New Roman" panose="02020603050405020304" pitchFamily="18" charset="0"/>
+                <a:cs typeface="Times New Roman" panose="02020603050405020304" pitchFamily="18" charset="0"/>
+              </a:rPr>
+              <a:t> </a:t>
+            </a:r>
+            <a:r>
+              <a:rPr lang="en-IN" sz="1600" dirty="0" smtClean="0">
+                <a:latin typeface="+mn-lt"/>
+                <a:ea typeface="Times New Roman" panose="02020603050405020304" pitchFamily="18" charset="0"/>
+                <a:cs typeface="Times New Roman" panose="02020603050405020304" pitchFamily="18" charset="0"/>
+              </a:rPr>
+              <a:t>Analyse </a:t>
+            </a:r>
+            <a:r>
+              <a:rPr lang="en-IN" sz="1600" dirty="0">
+                <a:latin typeface="+mn-lt"/>
+                <a:ea typeface="Times New Roman" panose="02020603050405020304" pitchFamily="18" charset="0"/>
+                <a:cs typeface="Times New Roman" panose="02020603050405020304" pitchFamily="18" charset="0"/>
+              </a:rPr>
+              <a:t>missing values, duplicates, and distributions.</a:t>
+            </a:r>
+            <a:endParaRPr lang="en-IN" sz="1600" kern="100" dirty="0">
+              <a:latin typeface="+mn-lt"/>
+              <a:ea typeface="Aptos"/>
+              <a:cs typeface="Times New Roman" panose="02020603050405020304" pitchFamily="18" charset="0"/>
+            </a:endParaRPr>
+          </a:p>
+          <a:p>
+            <a:pPr marL="342900" lvl="0" indent="-342900">
+              <a:lnSpc>
+                <a:spcPct val="115000"/>
+              </a:lnSpc>
+              <a:spcAft>
+                <a:spcPts val="800"/>
+              </a:spcAft>
+              <a:buFont typeface="+mj-lt"/>
+              <a:buAutoNum type="arabicPeriod"/>
+              <a:tabLst>
+                <a:tab pos="457200" algn="l"/>
+              </a:tabLst>
+            </a:pPr>
+            <a:r>
+              <a:rPr lang="en-IN" sz="1600" b="1" dirty="0">
+                <a:latin typeface="+mn-lt"/>
+                <a:ea typeface="Times New Roman" panose="02020603050405020304" pitchFamily="18" charset="0"/>
+                <a:cs typeface="Times New Roman" panose="02020603050405020304" pitchFamily="18" charset="0"/>
+              </a:rPr>
+              <a:t>Data </a:t>
+            </a:r>
+            <a:r>
+              <a:rPr lang="en-IN" sz="1600" b="1" dirty="0" smtClean="0">
+                <a:latin typeface="+mn-lt"/>
+                <a:ea typeface="Times New Roman" panose="02020603050405020304" pitchFamily="18" charset="0"/>
+                <a:cs typeface="Times New Roman" panose="02020603050405020304" pitchFamily="18" charset="0"/>
+              </a:rPr>
+              <a:t>Pre-processing:</a:t>
+            </a:r>
+            <a:r>
+              <a:rPr lang="en-IN" sz="1600" dirty="0" smtClean="0">
+                <a:latin typeface="+mn-lt"/>
+                <a:ea typeface="Times New Roman" panose="02020603050405020304" pitchFamily="18" charset="0"/>
+                <a:cs typeface="Times New Roman" panose="02020603050405020304" pitchFamily="18" charset="0"/>
+              </a:rPr>
+              <a:t> </a:t>
+            </a:r>
+            <a:r>
+              <a:rPr lang="en-IN" sz="1600" dirty="0">
+                <a:latin typeface="+mn-lt"/>
+                <a:ea typeface="Times New Roman" panose="02020603050405020304" pitchFamily="18" charset="0"/>
+                <a:cs typeface="Times New Roman" panose="02020603050405020304" pitchFamily="18" charset="0"/>
+              </a:rPr>
+              <a:t>Handle missing values, drop duplicates, and normalize features if needed.</a:t>
+            </a:r>
+            <a:endParaRPr lang="en-IN" sz="1600" kern="100" dirty="0">
+              <a:latin typeface="+mn-lt"/>
+              <a:ea typeface="Aptos"/>
+              <a:cs typeface="Times New Roman" panose="02020603050405020304" pitchFamily="18" charset="0"/>
+            </a:endParaRPr>
+          </a:p>
+          <a:p>
+            <a:pPr marL="342900" lvl="0" indent="-342900">
+              <a:lnSpc>
+                <a:spcPct val="115000"/>
+              </a:lnSpc>
+              <a:spcAft>
+                <a:spcPts val="800"/>
+              </a:spcAft>
+              <a:buFont typeface="+mj-lt"/>
+              <a:buAutoNum type="arabicPeriod"/>
+              <a:tabLst>
+                <a:tab pos="457200" algn="l"/>
+              </a:tabLst>
+            </a:pPr>
+            <a:r>
+              <a:rPr lang="en-IN" sz="1600" b="1" dirty="0">
+                <a:latin typeface="+mn-lt"/>
+                <a:ea typeface="Times New Roman" panose="02020603050405020304" pitchFamily="18" charset="0"/>
+                <a:cs typeface="Times New Roman" panose="02020603050405020304" pitchFamily="18" charset="0"/>
+              </a:rPr>
+              <a:t>Feature Selection:</a:t>
+            </a:r>
+            <a:r>
+              <a:rPr lang="en-IN" sz="1600" dirty="0">
+                <a:latin typeface="+mn-lt"/>
+                <a:ea typeface="Times New Roman" panose="02020603050405020304" pitchFamily="18" charset="0"/>
+                <a:cs typeface="Times New Roman" panose="02020603050405020304" pitchFamily="18" charset="0"/>
+              </a:rPr>
+              <a:t> Identify relevant features influencing solar power generation.</a:t>
+            </a:r>
+            <a:endParaRPr lang="en-IN" sz="1600" kern="100" dirty="0">
+              <a:latin typeface="+mn-lt"/>
+              <a:ea typeface="Aptos"/>
+              <a:cs typeface="Times New Roman" panose="02020603050405020304" pitchFamily="18" charset="0"/>
+            </a:endParaRPr>
+          </a:p>
+          <a:p>
+            <a:pPr marL="342900" lvl="0" indent="-342900">
+              <a:lnSpc>
+                <a:spcPct val="115000"/>
+              </a:lnSpc>
+              <a:spcAft>
+                <a:spcPts val="800"/>
+              </a:spcAft>
+              <a:buFont typeface="+mj-lt"/>
+              <a:buAutoNum type="arabicPeriod"/>
+              <a:tabLst>
+                <a:tab pos="457200" algn="l"/>
+              </a:tabLst>
+            </a:pPr>
+            <a:r>
+              <a:rPr lang="en-IN" sz="1600" b="1" dirty="0">
+                <a:latin typeface="+mn-lt"/>
+                <a:ea typeface="Times New Roman" panose="02020603050405020304" pitchFamily="18" charset="0"/>
+                <a:cs typeface="Times New Roman" panose="02020603050405020304" pitchFamily="18" charset="0"/>
+              </a:rPr>
+              <a:t>Model Training:</a:t>
+            </a:r>
+            <a:r>
+              <a:rPr lang="en-IN" sz="1600" dirty="0">
+                <a:latin typeface="+mn-lt"/>
+                <a:ea typeface="Times New Roman" panose="02020603050405020304" pitchFamily="18" charset="0"/>
+                <a:cs typeface="Times New Roman" panose="02020603050405020304" pitchFamily="18" charset="0"/>
+              </a:rPr>
+              <a:t> </a:t>
+            </a:r>
+            <a:endParaRPr lang="en-IN" sz="1600" kern="100" dirty="0">
+              <a:latin typeface="+mn-lt"/>
+              <a:ea typeface="Aptos"/>
+              <a:cs typeface="Times New Roman" panose="02020603050405020304" pitchFamily="18" charset="0"/>
+            </a:endParaRPr>
+          </a:p>
+          <a:p>
+            <a:pPr marL="742950" lvl="1" indent="-285750">
+              <a:lnSpc>
+                <a:spcPct val="115000"/>
+              </a:lnSpc>
+              <a:spcAft>
+                <a:spcPts val="800"/>
+              </a:spcAft>
+              <a:buSzPts val="1000"/>
+              <a:buFont typeface="Courier New" panose="02070309020205020404" pitchFamily="49" charset="0"/>
+              <a:buChar char="o"/>
+              <a:tabLst>
+                <a:tab pos="914400" algn="l"/>
+              </a:tabLst>
+            </a:pPr>
+            <a:r>
+              <a:rPr lang="en-IN" sz="1600" dirty="0">
+                <a:latin typeface="+mn-lt"/>
+                <a:ea typeface="Times New Roman" panose="02020603050405020304" pitchFamily="18" charset="0"/>
+                <a:cs typeface="Times New Roman" panose="02020603050405020304" pitchFamily="18" charset="0"/>
+              </a:rPr>
+              <a:t>Split data into training and testing sets.</a:t>
+            </a:r>
+            <a:endParaRPr lang="en-IN" sz="1600" kern="100" dirty="0">
+              <a:latin typeface="+mn-lt"/>
+              <a:ea typeface="Aptos"/>
+              <a:cs typeface="Times New Roman" panose="02020603050405020304" pitchFamily="18" charset="0"/>
+            </a:endParaRPr>
+          </a:p>
+          <a:p>
+            <a:pPr marL="742950" lvl="1" indent="-285750">
+              <a:lnSpc>
+                <a:spcPct val="115000"/>
+              </a:lnSpc>
+              <a:spcAft>
+                <a:spcPts val="800"/>
+              </a:spcAft>
+              <a:buSzPts val="1000"/>
+              <a:buFont typeface="Courier New" panose="02070309020205020404" pitchFamily="49" charset="0"/>
+              <a:buChar char="o"/>
+              <a:tabLst>
+                <a:tab pos="914400" algn="l"/>
+              </a:tabLst>
+            </a:pPr>
+            <a:r>
+              <a:rPr lang="en-IN" sz="1600" dirty="0">
+                <a:latin typeface="+mn-lt"/>
+                <a:ea typeface="Times New Roman" panose="02020603050405020304" pitchFamily="18" charset="0"/>
+                <a:cs typeface="Times New Roman" panose="02020603050405020304" pitchFamily="18" charset="0"/>
+              </a:rPr>
+              <a:t>Apply </a:t>
+            </a:r>
+            <a:r>
+              <a:rPr lang="en-IN" sz="1600" b="1" dirty="0">
+                <a:latin typeface="+mn-lt"/>
+                <a:ea typeface="Times New Roman" panose="02020603050405020304" pitchFamily="18" charset="0"/>
+                <a:cs typeface="Times New Roman" panose="02020603050405020304" pitchFamily="18" charset="0"/>
+              </a:rPr>
+              <a:t>Linear Regression</a:t>
+            </a:r>
+            <a:r>
+              <a:rPr lang="en-IN" sz="1600" dirty="0">
+                <a:latin typeface="+mn-lt"/>
+                <a:ea typeface="Times New Roman" panose="02020603050405020304" pitchFamily="18" charset="0"/>
+                <a:cs typeface="Times New Roman" panose="02020603050405020304" pitchFamily="18" charset="0"/>
+              </a:rPr>
+              <a:t> for prediction.</a:t>
+            </a:r>
+            <a:endParaRPr lang="en-IN" sz="1600" kern="100" dirty="0">
+              <a:latin typeface="+mn-lt"/>
+              <a:ea typeface="Aptos"/>
+              <a:cs typeface="Times New Roman" panose="02020603050405020304" pitchFamily="18" charset="0"/>
+            </a:endParaRPr>
+          </a:p>
+          <a:p>
+            <a:pPr marL="342900" lvl="0" indent="-342900">
+              <a:lnSpc>
+                <a:spcPct val="115000"/>
+              </a:lnSpc>
+              <a:spcAft>
+                <a:spcPts val="800"/>
+              </a:spcAft>
+              <a:buFont typeface="+mj-lt"/>
+              <a:buAutoNum type="arabicPeriod"/>
+              <a:tabLst>
+                <a:tab pos="457200" algn="l"/>
+              </a:tabLst>
+            </a:pPr>
+            <a:r>
+              <a:rPr lang="en-IN" sz="1600" b="1" dirty="0">
+                <a:latin typeface="+mn-lt"/>
+                <a:ea typeface="Times New Roman" panose="02020603050405020304" pitchFamily="18" charset="0"/>
+                <a:cs typeface="Times New Roman" panose="02020603050405020304" pitchFamily="18" charset="0"/>
+              </a:rPr>
+              <a:t>Model Evaluation:</a:t>
+            </a:r>
+            <a:r>
+              <a:rPr lang="en-IN" sz="1600" dirty="0">
+                <a:latin typeface="+mn-lt"/>
+                <a:ea typeface="Times New Roman" panose="02020603050405020304" pitchFamily="18" charset="0"/>
+                <a:cs typeface="Times New Roman" panose="02020603050405020304" pitchFamily="18" charset="0"/>
+              </a:rPr>
+              <a:t> </a:t>
+            </a:r>
+            <a:endParaRPr lang="en-IN" sz="1600" kern="100" dirty="0">
+              <a:latin typeface="+mn-lt"/>
+              <a:ea typeface="Aptos"/>
+              <a:cs typeface="Times New Roman" panose="02020603050405020304" pitchFamily="18" charset="0"/>
+            </a:endParaRPr>
+          </a:p>
+          <a:p>
+            <a:pPr marL="742950" lvl="1" indent="-285750">
+              <a:lnSpc>
+                <a:spcPct val="115000"/>
+              </a:lnSpc>
+              <a:spcAft>
+                <a:spcPts val="800"/>
+              </a:spcAft>
+              <a:buSzPts val="1000"/>
+              <a:buFont typeface="Courier New" panose="02070309020205020404" pitchFamily="49" charset="0"/>
+              <a:buChar char="o"/>
+              <a:tabLst>
+                <a:tab pos="914400" algn="l"/>
+              </a:tabLst>
+            </a:pPr>
+            <a:r>
+              <a:rPr lang="en-IN" sz="1600" dirty="0">
+                <a:latin typeface="+mn-lt"/>
+                <a:ea typeface="Times New Roman" panose="02020603050405020304" pitchFamily="18" charset="0"/>
+                <a:cs typeface="Times New Roman" panose="02020603050405020304" pitchFamily="18" charset="0"/>
+              </a:rPr>
+              <a:t>Calculate </a:t>
+            </a:r>
+            <a:r>
+              <a:rPr lang="en-IN" sz="1600" b="1" dirty="0">
+                <a:latin typeface="+mn-lt"/>
+                <a:ea typeface="Times New Roman" panose="02020603050405020304" pitchFamily="18" charset="0"/>
+                <a:cs typeface="Times New Roman" panose="02020603050405020304" pitchFamily="18" charset="0"/>
+              </a:rPr>
+              <a:t>Root Mean Squared Error (RMSE)</a:t>
+            </a:r>
+            <a:r>
+              <a:rPr lang="en-IN" sz="1600" dirty="0">
+                <a:latin typeface="+mn-lt"/>
+                <a:ea typeface="Times New Roman" panose="02020603050405020304" pitchFamily="18" charset="0"/>
+                <a:cs typeface="Times New Roman" panose="02020603050405020304" pitchFamily="18" charset="0"/>
+              </a:rPr>
+              <a:t> to measure prediction accuracy.</a:t>
+            </a:r>
+            <a:endParaRPr lang="en-IN" sz="1600" kern="100" dirty="0">
+              <a:latin typeface="+mn-lt"/>
+              <a:ea typeface="Aptos"/>
+              <a:cs typeface="Times New Roman" panose="02020603050405020304" pitchFamily="18" charset="0"/>
+            </a:endParaRPr>
+          </a:p>
+          <a:p>
+            <a:pPr marL="742950" lvl="1" indent="-285750">
+              <a:lnSpc>
+                <a:spcPct val="115000"/>
+              </a:lnSpc>
+              <a:spcAft>
+                <a:spcPts val="800"/>
+              </a:spcAft>
+              <a:buSzPts val="1000"/>
+              <a:buFont typeface="Courier New" panose="02070309020205020404" pitchFamily="49" charset="0"/>
+              <a:buChar char="o"/>
+              <a:tabLst>
+                <a:tab pos="914400" algn="l"/>
+              </a:tabLst>
+            </a:pPr>
+            <a:r>
+              <a:rPr lang="en-IN" sz="1600" dirty="0">
+                <a:latin typeface="+mn-lt"/>
+                <a:ea typeface="Times New Roman" panose="02020603050405020304" pitchFamily="18" charset="0"/>
+                <a:cs typeface="Times New Roman" panose="02020603050405020304" pitchFamily="18" charset="0"/>
+              </a:rPr>
+              <a:t>Use </a:t>
+            </a:r>
+            <a:r>
+              <a:rPr lang="en-IN" sz="1600" b="1" dirty="0">
+                <a:latin typeface="+mn-lt"/>
+                <a:ea typeface="Times New Roman" panose="02020603050405020304" pitchFamily="18" charset="0"/>
+                <a:cs typeface="Times New Roman" panose="02020603050405020304" pitchFamily="18" charset="0"/>
+              </a:rPr>
+              <a:t>R² Score</a:t>
+            </a:r>
+            <a:r>
+              <a:rPr lang="en-IN" sz="1600" dirty="0">
+                <a:latin typeface="+mn-lt"/>
+                <a:ea typeface="Times New Roman" panose="02020603050405020304" pitchFamily="18" charset="0"/>
+                <a:cs typeface="Times New Roman" panose="02020603050405020304" pitchFamily="18" charset="0"/>
+              </a:rPr>
+              <a:t> to determine the model's effectiveness.</a:t>
+            </a:r>
+            <a:endParaRPr lang="en-IN" sz="1600" kern="100" dirty="0">
+              <a:latin typeface="+mn-lt"/>
+              <a:ea typeface="Aptos"/>
+              <a:cs typeface="Times New Roman" panose="02020603050405020304" pitchFamily="18" charset="0"/>
+            </a:endParaRPr>
+          </a:p>
+          <a:p>
+            <a:pPr marL="342900" lvl="0" indent="-342900">
+              <a:lnSpc>
+                <a:spcPct val="115000"/>
+              </a:lnSpc>
+              <a:spcAft>
+                <a:spcPts val="800"/>
+              </a:spcAft>
+              <a:buFont typeface="+mj-lt"/>
+              <a:buAutoNum type="arabicPeriod"/>
+              <a:tabLst>
+                <a:tab pos="457200" algn="l"/>
+              </a:tabLst>
+            </a:pPr>
+            <a:r>
+              <a:rPr lang="en-IN" sz="1600" b="1" dirty="0">
+                <a:latin typeface="+mn-lt"/>
+                <a:ea typeface="Times New Roman" panose="02020603050405020304" pitchFamily="18" charset="0"/>
+                <a:cs typeface="Times New Roman" panose="02020603050405020304" pitchFamily="18" charset="0"/>
+              </a:rPr>
+              <a:t>Interactive Prediction UI:</a:t>
+            </a:r>
+            <a:r>
+              <a:rPr lang="en-IN" sz="1600" dirty="0">
+                <a:latin typeface="+mn-lt"/>
+                <a:ea typeface="Times New Roman" panose="02020603050405020304" pitchFamily="18" charset="0"/>
+                <a:cs typeface="Times New Roman" panose="02020603050405020304" pitchFamily="18" charset="0"/>
+              </a:rPr>
+              <a:t> Create a </a:t>
+            </a:r>
+            <a:r>
+              <a:rPr lang="en-IN" sz="1600" b="1" dirty="0" err="1">
+                <a:latin typeface="+mn-lt"/>
+                <a:ea typeface="Times New Roman" panose="02020603050405020304" pitchFamily="18" charset="0"/>
+                <a:cs typeface="Times New Roman" panose="02020603050405020304" pitchFamily="18" charset="0"/>
+              </a:rPr>
+              <a:t>Tkinter</a:t>
+            </a:r>
+            <a:r>
+              <a:rPr lang="en-IN" sz="1600" b="1" dirty="0">
+                <a:latin typeface="+mn-lt"/>
+                <a:ea typeface="Times New Roman" panose="02020603050405020304" pitchFamily="18" charset="0"/>
+                <a:cs typeface="Times New Roman" panose="02020603050405020304" pitchFamily="18" charset="0"/>
+              </a:rPr>
+              <a:t> GUI</a:t>
+            </a:r>
+            <a:r>
+              <a:rPr lang="en-IN" sz="1600" dirty="0">
+                <a:latin typeface="+mn-lt"/>
+                <a:ea typeface="Times New Roman" panose="02020603050405020304" pitchFamily="18" charset="0"/>
+                <a:cs typeface="Times New Roman" panose="02020603050405020304" pitchFamily="18" charset="0"/>
+              </a:rPr>
+              <a:t> to allow user inputs for prediction.</a:t>
+            </a:r>
+            <a:endParaRPr lang="en-IN" sz="1600" kern="100" dirty="0">
+              <a:effectLst/>
+              <a:latin typeface="+mn-lt"/>
+              <a:ea typeface="Aptos"/>
+              <a:cs typeface="Times New Roman" panose="02020603050405020304" pitchFamily="18" charset="0"/>
             </a:endParaRPr>
           </a:p>
         </p:txBody>
@@ -2144,7 +3565,7 @@
     </p:spTree>
     <p:extLst>
       <p:ext uri="{BB962C8B-B14F-4D97-AF65-F5344CB8AC3E}">
-        <p14:creationId xmlns:p14="http://schemas.microsoft.com/office/powerpoint/2010/main" val="31965923"/>
+        <p14:creationId xmlns:p14="http://schemas.microsoft.com/office/powerpoint/2010/main" val="2706790016"/>
       </p:ext>
     </p:extLst>
   </p:cSld>
@@ -2185,8 +3606,8 @@
         </p:nvSpPr>
         <p:spPr>
           <a:xfrm>
-            <a:off x="255104" y="1054412"/>
-            <a:ext cx="6102626" cy="400110"/>
+            <a:off x="712304" y="1326973"/>
+            <a:ext cx="6102626" cy="707886"/>
           </a:xfrm>
           <a:prstGeom prst="rect">
             <a:avLst/>
@@ -2200,17 +3621,175 @@
           <a:lstStyle/>
           <a:p>
             <a:r>
-              <a:rPr lang="en-US" sz="2000" b="1" dirty="0">
+              <a:rPr lang="en-US" sz="4000" b="1" dirty="0">
                 <a:solidFill>
                   <a:srgbClr val="213163"/>
                 </a:solidFill>
               </a:rPr>
               <a:t>Solution:  </a:t>
             </a:r>
-            <a:endParaRPr lang="en-IN" sz="2000" b="1" dirty="0">
+            <a:endParaRPr lang="en-IN" sz="4000" b="1" dirty="0">
               <a:solidFill>
                 <a:srgbClr val="213163"/>
               </a:solidFill>
+            </a:endParaRPr>
+          </a:p>
+        </p:txBody>
+      </p:sp>
+      <p:sp>
+        <p:nvSpPr>
+          <p:cNvPr id="2" name="Rectangle 1"/>
+          <p:cNvSpPr/>
+          <p:nvPr/>
+        </p:nvSpPr>
+        <p:spPr>
+          <a:xfrm>
+            <a:off x="712304" y="2567353"/>
+            <a:ext cx="8959235" cy="1863202"/>
+          </a:xfrm>
+          <a:prstGeom prst="rect">
+            <a:avLst/>
+          </a:prstGeom>
+        </p:spPr>
+        <p:txBody>
+          <a:bodyPr wrap="square">
+            <a:spAutoFit/>
+          </a:bodyPr>
+          <a:lstStyle/>
+          <a:p>
+            <a:pPr marL="342900" lvl="0" indent="-342900">
+              <a:lnSpc>
+                <a:spcPct val="115000"/>
+              </a:lnSpc>
+              <a:spcAft>
+                <a:spcPts val="800"/>
+              </a:spcAft>
+              <a:buSzPts val="1000"/>
+              <a:buFont typeface="Symbol" panose="05050102010706020507" pitchFamily="18" charset="2"/>
+              <a:buChar char=""/>
+              <a:tabLst>
+                <a:tab pos="457200" algn="l"/>
+              </a:tabLst>
+            </a:pPr>
+            <a:r>
+              <a:rPr lang="en-IN" sz="1800" b="1" dirty="0">
+                <a:latin typeface="+mn-lt"/>
+                <a:ea typeface="Times New Roman" panose="02020603050405020304" pitchFamily="18" charset="0"/>
+                <a:cs typeface="Times New Roman" panose="02020603050405020304" pitchFamily="18" charset="0"/>
+              </a:rPr>
+              <a:t>Develop a Machine Learning Model</a:t>
+            </a:r>
+            <a:r>
+              <a:rPr lang="en-IN" sz="1800" dirty="0">
+                <a:latin typeface="+mn-lt"/>
+                <a:ea typeface="Times New Roman" panose="02020603050405020304" pitchFamily="18" charset="0"/>
+                <a:cs typeface="Times New Roman" panose="02020603050405020304" pitchFamily="18" charset="0"/>
+              </a:rPr>
+              <a:t> using </a:t>
+            </a:r>
+            <a:r>
+              <a:rPr lang="en-IN" sz="1800" b="1" dirty="0">
+                <a:latin typeface="+mn-lt"/>
+                <a:ea typeface="Times New Roman" panose="02020603050405020304" pitchFamily="18" charset="0"/>
+                <a:cs typeface="Times New Roman" panose="02020603050405020304" pitchFamily="18" charset="0"/>
+              </a:rPr>
+              <a:t>Linear Regression</a:t>
+            </a:r>
+            <a:r>
+              <a:rPr lang="en-IN" sz="1800" dirty="0">
+                <a:latin typeface="+mn-lt"/>
+                <a:ea typeface="Times New Roman" panose="02020603050405020304" pitchFamily="18" charset="0"/>
+                <a:cs typeface="Times New Roman" panose="02020603050405020304" pitchFamily="18" charset="0"/>
+              </a:rPr>
+              <a:t> to predict solar power output.</a:t>
+            </a:r>
+            <a:endParaRPr lang="en-IN" sz="1800" kern="100" dirty="0">
+              <a:latin typeface="+mn-lt"/>
+              <a:ea typeface="Aptos"/>
+              <a:cs typeface="Times New Roman" panose="02020603050405020304" pitchFamily="18" charset="0"/>
+            </a:endParaRPr>
+          </a:p>
+          <a:p>
+            <a:pPr marL="342900" lvl="0" indent="-342900">
+              <a:lnSpc>
+                <a:spcPct val="115000"/>
+              </a:lnSpc>
+              <a:spcAft>
+                <a:spcPts val="800"/>
+              </a:spcAft>
+              <a:buSzPts val="1000"/>
+              <a:buFont typeface="Symbol" panose="05050102010706020507" pitchFamily="18" charset="2"/>
+              <a:buChar char=""/>
+              <a:tabLst>
+                <a:tab pos="457200" algn="l"/>
+              </a:tabLst>
+            </a:pPr>
+            <a:r>
+              <a:rPr lang="en-IN" sz="1800" b="1" dirty="0" err="1">
+                <a:latin typeface="+mn-lt"/>
+                <a:ea typeface="Times New Roman" panose="02020603050405020304" pitchFamily="18" charset="0"/>
+                <a:cs typeface="Times New Roman" panose="02020603050405020304" pitchFamily="18" charset="0"/>
+              </a:rPr>
+              <a:t>Preprocess</a:t>
+            </a:r>
+            <a:r>
+              <a:rPr lang="en-IN" sz="1800" b="1" dirty="0">
+                <a:latin typeface="+mn-lt"/>
+                <a:ea typeface="Times New Roman" panose="02020603050405020304" pitchFamily="18" charset="0"/>
+                <a:cs typeface="Times New Roman" panose="02020603050405020304" pitchFamily="18" charset="0"/>
+              </a:rPr>
+              <a:t> Data</a:t>
+            </a:r>
+            <a:r>
+              <a:rPr lang="en-IN" sz="1800" dirty="0">
+                <a:latin typeface="+mn-lt"/>
+                <a:ea typeface="Times New Roman" panose="02020603050405020304" pitchFamily="18" charset="0"/>
+                <a:cs typeface="Times New Roman" panose="02020603050405020304" pitchFamily="18" charset="0"/>
+              </a:rPr>
+              <a:t> to ensure high model accuracy.</a:t>
+            </a:r>
+            <a:endParaRPr lang="en-IN" sz="1800" kern="100" dirty="0">
+              <a:latin typeface="+mn-lt"/>
+              <a:ea typeface="Aptos"/>
+              <a:cs typeface="Times New Roman" panose="02020603050405020304" pitchFamily="18" charset="0"/>
+            </a:endParaRPr>
+          </a:p>
+          <a:p>
+            <a:pPr marL="342900" lvl="0" indent="-342900">
+              <a:lnSpc>
+                <a:spcPct val="115000"/>
+              </a:lnSpc>
+              <a:spcAft>
+                <a:spcPts val="800"/>
+              </a:spcAft>
+              <a:buSzPts val="1000"/>
+              <a:buFont typeface="Symbol" panose="05050102010706020507" pitchFamily="18" charset="2"/>
+              <a:buChar char=""/>
+              <a:tabLst>
+                <a:tab pos="457200" algn="l"/>
+              </a:tabLst>
+            </a:pPr>
+            <a:r>
+              <a:rPr lang="en-IN" sz="1800" b="1" dirty="0">
+                <a:latin typeface="+mn-lt"/>
+                <a:ea typeface="Times New Roman" panose="02020603050405020304" pitchFamily="18" charset="0"/>
+                <a:cs typeface="Times New Roman" panose="02020603050405020304" pitchFamily="18" charset="0"/>
+              </a:rPr>
+              <a:t>Provide an Interactive UI</a:t>
+            </a:r>
+            <a:r>
+              <a:rPr lang="en-IN" sz="1800" dirty="0">
+                <a:latin typeface="+mn-lt"/>
+                <a:ea typeface="Times New Roman" panose="02020603050405020304" pitchFamily="18" charset="0"/>
+                <a:cs typeface="Times New Roman" panose="02020603050405020304" pitchFamily="18" charset="0"/>
+              </a:rPr>
+              <a:t> where users can input parameters and get real-time predictions.</a:t>
+            </a:r>
+            <a:endParaRPr lang="en-IN" sz="1800" kern="100" dirty="0">
+              <a:effectLst/>
+              <a:latin typeface="+mn-lt"/>
+              <a:ea typeface="Aptos"/>
+              <a:cs typeface="Times New Roman" panose="02020603050405020304" pitchFamily="18" charset="0"/>
             </a:endParaRPr>
           </a:p>
         </p:txBody>
@@ -2289,6 +3868,36 @@
           </a:p>
         </p:txBody>
       </p:sp>
+      <p:pic>
+        <p:nvPicPr>
+          <p:cNvPr id="2" name="Picture 1"/>
+          <p:cNvPicPr>
+            <a:picLocks noChangeAspect="1"/>
+          </p:cNvPicPr>
+          <p:nvPr/>
+        </p:nvPicPr>
+        <p:blipFill>
+          <a:blip r:embed="rId2">
+            <a:extLst>
+              <a:ext uri="{28A0092B-C50C-407E-A947-70E740481C1C}">
+                <a14:useLocalDpi xmlns:a14="http://schemas.microsoft.com/office/drawing/2010/main" val="0"/>
+              </a:ext>
+            </a:extLst>
+          </a:blip>
+          <a:stretch>
+            <a:fillRect/>
+          </a:stretch>
+        </p:blipFill>
+        <p:spPr>
+          <a:xfrm>
+            <a:off x="2145433" y="1552365"/>
+            <a:ext cx="6547117" cy="5001778"/>
+          </a:xfrm>
+          <a:prstGeom prst="rect">
+            <a:avLst/>
+          </a:prstGeom>
+        </p:spPr>
+      </p:pic>
     </p:spTree>
     <p:extLst>
       <p:ext uri="{BB962C8B-B14F-4D97-AF65-F5344CB8AC3E}">
@@ -2333,8 +3942,8 @@
         </p:nvSpPr>
         <p:spPr>
           <a:xfrm>
-            <a:off x="149087" y="988151"/>
-            <a:ext cx="6102626" cy="400110"/>
+            <a:off x="685418" y="1348636"/>
+            <a:ext cx="6102626" cy="707886"/>
           </a:xfrm>
           <a:prstGeom prst="rect">
             <a:avLst/>
@@ -2348,25 +3957,188 @@
           <a:lstStyle/>
           <a:p>
             <a:r>
-              <a:rPr lang="en-US" sz="2000" b="1" dirty="0">
+              <a:rPr lang="en-US" sz="4000" b="1" dirty="0">
                 <a:solidFill>
                   <a:srgbClr val="213163"/>
                 </a:solidFill>
               </a:rPr>
-              <a:t>Conclusion:</a:t>
-            </a:r>
-            <a:r>
-              <a:rPr lang="en-US" sz="1800" b="1" dirty="0">
-                <a:solidFill>
-                  <a:srgbClr val="213163"/>
-                </a:solidFill>
-              </a:rPr>
-              <a:t>  </a:t>
-            </a:r>
-            <a:endParaRPr lang="en-IN" sz="1800" dirty="0">
+              <a:t>Conclusion:  </a:t>
+            </a:r>
+            <a:endParaRPr lang="en-IN" sz="4000" dirty="0">
               <a:solidFill>
                 <a:srgbClr val="213163"/>
               </a:solidFill>
+            </a:endParaRPr>
+          </a:p>
+        </p:txBody>
+      </p:sp>
+      <p:sp>
+        <p:nvSpPr>
+          <p:cNvPr id="2" name="Rectangle 1"/>
+          <p:cNvSpPr/>
+          <p:nvPr/>
+        </p:nvSpPr>
+        <p:spPr>
+          <a:xfrm>
+            <a:off x="685418" y="2584939"/>
+            <a:ext cx="8942159" cy="2010807"/>
+          </a:xfrm>
+          <a:prstGeom prst="rect">
+            <a:avLst/>
+          </a:prstGeom>
+        </p:spPr>
+        <p:txBody>
+          <a:bodyPr wrap="square">
+            <a:spAutoFit/>
+          </a:bodyPr>
+          <a:lstStyle/>
+          <a:p>
+            <a:pPr marL="342900" lvl="0" indent="-342900">
+              <a:lnSpc>
+                <a:spcPct val="150000"/>
+              </a:lnSpc>
+              <a:spcAft>
+                <a:spcPts val="800"/>
+              </a:spcAft>
+              <a:buSzPts val="1000"/>
+              <a:buFont typeface="Symbol" panose="05050102010706020507" pitchFamily="18" charset="2"/>
+              <a:buChar char=""/>
+              <a:tabLst>
+                <a:tab pos="457200" algn="l"/>
+              </a:tabLst>
+            </a:pPr>
+            <a:r>
+              <a:rPr lang="en-IN" sz="1800" b="1" dirty="0">
+                <a:latin typeface="+mn-lt"/>
+                <a:ea typeface="Times New Roman" panose="02020603050405020304" pitchFamily="18" charset="0"/>
+                <a:cs typeface="Times New Roman" panose="02020603050405020304" pitchFamily="18" charset="0"/>
+              </a:rPr>
+              <a:t>Solar power prediction</a:t>
+            </a:r>
+            <a:r>
+              <a:rPr lang="en-IN" sz="1800" dirty="0">
+                <a:latin typeface="+mn-lt"/>
+                <a:ea typeface="Times New Roman" panose="02020603050405020304" pitchFamily="18" charset="0"/>
+                <a:cs typeface="Times New Roman" panose="02020603050405020304" pitchFamily="18" charset="0"/>
+              </a:rPr>
+              <a:t> helps in efficient energy planning and grid stability.</a:t>
+            </a:r>
+            <a:endParaRPr lang="en-IN" sz="1800" kern="100" dirty="0">
+              <a:latin typeface="+mn-lt"/>
+              <a:ea typeface="Aptos"/>
+              <a:cs typeface="Times New Roman" panose="02020603050405020304" pitchFamily="18" charset="0"/>
+            </a:endParaRPr>
+          </a:p>
+          <a:p>
+            <a:pPr marL="342900" lvl="0" indent="-342900">
+              <a:lnSpc>
+                <a:spcPct val="150000"/>
+              </a:lnSpc>
+              <a:spcAft>
+                <a:spcPts val="800"/>
+              </a:spcAft>
+              <a:buSzPts val="1000"/>
+              <a:buFont typeface="Symbol" panose="05050102010706020507" pitchFamily="18" charset="2"/>
+              <a:buChar char=""/>
+              <a:tabLst>
+                <a:tab pos="457200" algn="l"/>
+              </a:tabLst>
+            </a:pPr>
+            <a:r>
+              <a:rPr lang="en-IN" sz="1800" b="1" dirty="0">
+                <a:latin typeface="+mn-lt"/>
+                <a:ea typeface="Times New Roman" panose="02020603050405020304" pitchFamily="18" charset="0"/>
+                <a:cs typeface="Times New Roman" panose="02020603050405020304" pitchFamily="18" charset="0"/>
+              </a:rPr>
+              <a:t>Linear Regression</a:t>
+            </a:r>
+            <a:r>
+              <a:rPr lang="en-IN" sz="1800" dirty="0">
+                <a:latin typeface="+mn-lt"/>
+                <a:ea typeface="Times New Roman" panose="02020603050405020304" pitchFamily="18" charset="0"/>
+                <a:cs typeface="Times New Roman" panose="02020603050405020304" pitchFamily="18" charset="0"/>
+              </a:rPr>
+              <a:t> provides a simple yet effective way to predict power output.</a:t>
+            </a:r>
+            <a:endParaRPr lang="en-IN" sz="1800" kern="100" dirty="0">
+              <a:latin typeface="+mn-lt"/>
+              <a:ea typeface="Aptos"/>
+              <a:cs typeface="Times New Roman" panose="02020603050405020304" pitchFamily="18" charset="0"/>
+            </a:endParaRPr>
+          </a:p>
+          <a:p>
+            <a:pPr marL="342900" lvl="0" indent="-342900">
+              <a:lnSpc>
+                <a:spcPct val="150000"/>
+              </a:lnSpc>
+              <a:spcAft>
+                <a:spcPts val="800"/>
+              </a:spcAft>
+              <a:buSzPts val="1000"/>
+              <a:buFont typeface="Symbol" panose="05050102010706020507" pitchFamily="18" charset="2"/>
+              <a:buChar char=""/>
+              <a:tabLst>
+                <a:tab pos="457200" algn="l"/>
+              </a:tabLst>
+            </a:pPr>
+            <a:r>
+              <a:rPr lang="en-IN" sz="1800" b="1" dirty="0">
+                <a:latin typeface="+mn-lt"/>
+                <a:ea typeface="Times New Roman" panose="02020603050405020304" pitchFamily="18" charset="0"/>
+                <a:cs typeface="Times New Roman" panose="02020603050405020304" pitchFamily="18" charset="0"/>
+              </a:rPr>
+              <a:t>Python-based implementation</a:t>
+            </a:r>
+            <a:r>
+              <a:rPr lang="en-IN" sz="1800" dirty="0">
+                <a:latin typeface="+mn-lt"/>
+                <a:ea typeface="Times New Roman" panose="02020603050405020304" pitchFamily="18" charset="0"/>
+                <a:cs typeface="Times New Roman" panose="02020603050405020304" pitchFamily="18" charset="0"/>
+              </a:rPr>
+              <a:t> ensures ease of use and adaptability.</a:t>
+            </a:r>
+            <a:endParaRPr lang="en-IN" sz="1800" kern="100" dirty="0">
+              <a:latin typeface="+mn-lt"/>
+              <a:ea typeface="Aptos"/>
+              <a:cs typeface="Times New Roman" panose="02020603050405020304" pitchFamily="18" charset="0"/>
+            </a:endParaRPr>
+          </a:p>
+          <a:p>
+            <a:pPr marL="342900" lvl="0" indent="-342900">
+              <a:lnSpc>
+                <a:spcPct val="150000"/>
+              </a:lnSpc>
+              <a:spcAft>
+                <a:spcPts val="800"/>
+              </a:spcAft>
+              <a:buSzPts val="1000"/>
+              <a:buFont typeface="Symbol" panose="05050102010706020507" pitchFamily="18" charset="2"/>
+              <a:buChar char=""/>
+              <a:tabLst>
+                <a:tab pos="457200" algn="l"/>
+              </a:tabLst>
+            </a:pPr>
+            <a:r>
+              <a:rPr lang="en-IN" sz="1800" b="1" dirty="0">
+                <a:latin typeface="+mn-lt"/>
+                <a:ea typeface="Times New Roman" panose="02020603050405020304" pitchFamily="18" charset="0"/>
+                <a:cs typeface="Times New Roman" panose="02020603050405020304" pitchFamily="18" charset="0"/>
+              </a:rPr>
+              <a:t>A user-friendly UI</a:t>
+            </a:r>
+            <a:r>
+              <a:rPr lang="en-IN" sz="1800" dirty="0">
+                <a:latin typeface="+mn-lt"/>
+                <a:ea typeface="Times New Roman" panose="02020603050405020304" pitchFamily="18" charset="0"/>
+                <a:cs typeface="Times New Roman" panose="02020603050405020304" pitchFamily="18" charset="0"/>
+              </a:rPr>
+              <a:t> makes predictions accessible for decision-makers.</a:t>
+            </a:r>
+            <a:endParaRPr lang="en-IN" sz="1800" kern="100" dirty="0">
+              <a:effectLst/>
+              <a:latin typeface="+mn-lt"/>
+              <a:ea typeface="Aptos"/>
+              <a:cs typeface="Times New Roman" panose="02020603050405020304" pitchFamily="18" charset="0"/>
             </a:endParaRPr>
           </a:p>
         </p:txBody>
